--- a/chinese/聖靈的果子.pptx
+++ b/chinese/聖靈的果子.pptx
@@ -8,8 +8,8 @@
     <p:sldId id="259" r:id="rId2"/>
     <p:sldId id="257" r:id="rId3"/>
     <p:sldId id="258" r:id="rId4"/>
-    <p:sldId id="260" r:id="rId5"/>
-    <p:sldId id="262" r:id="rId6"/>
+    <p:sldId id="262" r:id="rId5"/>
+    <p:sldId id="260" r:id="rId6"/>
     <p:sldId id="261" r:id="rId7"/>
   </p:sldIdLst>
   <p:sldSz cx="12192000" cy="6858000"/>
@@ -243,7 +243,8 @@
           <a:p>
             <a:fld id="{438A1D26-8C48-4CA3-B169-97A4A2794143}" type="datetimeFigureOut">
               <a:rPr lang="en-US" smtClean="0"/>
-              <a:t>1/7/2020</a:t>
+              <a:pPr/>
+              <a:t>1/10/2020</a:t>
             </a:fld>
             <a:endParaRPr lang="en-US"/>
           </a:p>
@@ -285,6 +286,7 @@
           <a:p>
             <a:fld id="{13A94FBE-A493-43C0-9C3A-DDEA1812A995}" type="slidenum">
               <a:rPr lang="en-US" smtClean="0"/>
+              <a:pPr/>
               <a:t>‹#›</a:t>
             </a:fld>
             <a:endParaRPr lang="en-US"/>
@@ -294,7 +296,7 @@
     </p:spTree>
     <p:extLst>
       <p:ext uri="{BB962C8B-B14F-4D97-AF65-F5344CB8AC3E}">
-        <p14:creationId xmlns:p14="http://schemas.microsoft.com/office/powerpoint/2010/main" val="1650621173"/>
+        <p14:creationId xmlns="" xmlns:p14="http://schemas.microsoft.com/office/powerpoint/2010/main" val="1650621173"/>
       </p:ext>
     </p:extLst>
   </p:cSld>
@@ -413,7 +415,8 @@
           <a:p>
             <a:fld id="{438A1D26-8C48-4CA3-B169-97A4A2794143}" type="datetimeFigureOut">
               <a:rPr lang="en-US" smtClean="0"/>
-              <a:t>1/7/2020</a:t>
+              <a:pPr/>
+              <a:t>1/10/2020</a:t>
             </a:fld>
             <a:endParaRPr lang="en-US"/>
           </a:p>
@@ -455,6 +458,7 @@
           <a:p>
             <a:fld id="{13A94FBE-A493-43C0-9C3A-DDEA1812A995}" type="slidenum">
               <a:rPr lang="en-US" smtClean="0"/>
+              <a:pPr/>
               <a:t>‹#›</a:t>
             </a:fld>
             <a:endParaRPr lang="en-US"/>
@@ -464,7 +468,7 @@
     </p:spTree>
     <p:extLst>
       <p:ext uri="{BB962C8B-B14F-4D97-AF65-F5344CB8AC3E}">
-        <p14:creationId xmlns:p14="http://schemas.microsoft.com/office/powerpoint/2010/main" val="3506437796"/>
+        <p14:creationId xmlns="" xmlns:p14="http://schemas.microsoft.com/office/powerpoint/2010/main" val="3506437796"/>
       </p:ext>
     </p:extLst>
   </p:cSld>
@@ -593,7 +597,8 @@
           <a:p>
             <a:fld id="{438A1D26-8C48-4CA3-B169-97A4A2794143}" type="datetimeFigureOut">
               <a:rPr lang="en-US" smtClean="0"/>
-              <a:t>1/7/2020</a:t>
+              <a:pPr/>
+              <a:t>1/10/2020</a:t>
             </a:fld>
             <a:endParaRPr lang="en-US"/>
           </a:p>
@@ -635,6 +640,7 @@
           <a:p>
             <a:fld id="{13A94FBE-A493-43C0-9C3A-DDEA1812A995}" type="slidenum">
               <a:rPr lang="en-US" smtClean="0"/>
+              <a:pPr/>
               <a:t>‹#›</a:t>
             </a:fld>
             <a:endParaRPr lang="en-US"/>
@@ -644,7 +650,7 @@
     </p:spTree>
     <p:extLst>
       <p:ext uri="{BB962C8B-B14F-4D97-AF65-F5344CB8AC3E}">
-        <p14:creationId xmlns:p14="http://schemas.microsoft.com/office/powerpoint/2010/main" val="2372885415"/>
+        <p14:creationId xmlns="" xmlns:p14="http://schemas.microsoft.com/office/powerpoint/2010/main" val="2372885415"/>
       </p:ext>
     </p:extLst>
   </p:cSld>
@@ -763,7 +769,8 @@
           <a:p>
             <a:fld id="{438A1D26-8C48-4CA3-B169-97A4A2794143}" type="datetimeFigureOut">
               <a:rPr lang="en-US" smtClean="0"/>
-              <a:t>1/7/2020</a:t>
+              <a:pPr/>
+              <a:t>1/10/2020</a:t>
             </a:fld>
             <a:endParaRPr lang="en-US"/>
           </a:p>
@@ -805,6 +812,7 @@
           <a:p>
             <a:fld id="{13A94FBE-A493-43C0-9C3A-DDEA1812A995}" type="slidenum">
               <a:rPr lang="en-US" smtClean="0"/>
+              <a:pPr/>
               <a:t>‹#›</a:t>
             </a:fld>
             <a:endParaRPr lang="en-US"/>
@@ -814,7 +822,7 @@
     </p:spTree>
     <p:extLst>
       <p:ext uri="{BB962C8B-B14F-4D97-AF65-F5344CB8AC3E}">
-        <p14:creationId xmlns:p14="http://schemas.microsoft.com/office/powerpoint/2010/main" val="4194663758"/>
+        <p14:creationId xmlns="" xmlns:p14="http://schemas.microsoft.com/office/powerpoint/2010/main" val="4194663758"/>
       </p:ext>
     </p:extLst>
   </p:cSld>
@@ -1009,7 +1017,8 @@
           <a:p>
             <a:fld id="{438A1D26-8C48-4CA3-B169-97A4A2794143}" type="datetimeFigureOut">
               <a:rPr lang="en-US" smtClean="0"/>
-              <a:t>1/7/2020</a:t>
+              <a:pPr/>
+              <a:t>1/10/2020</a:t>
             </a:fld>
             <a:endParaRPr lang="en-US"/>
           </a:p>
@@ -1051,6 +1060,7 @@
           <a:p>
             <a:fld id="{13A94FBE-A493-43C0-9C3A-DDEA1812A995}" type="slidenum">
               <a:rPr lang="en-US" smtClean="0"/>
+              <a:pPr/>
               <a:t>‹#›</a:t>
             </a:fld>
             <a:endParaRPr lang="en-US"/>
@@ -1060,7 +1070,7 @@
     </p:spTree>
     <p:extLst>
       <p:ext uri="{BB962C8B-B14F-4D97-AF65-F5344CB8AC3E}">
-        <p14:creationId xmlns:p14="http://schemas.microsoft.com/office/powerpoint/2010/main" val="2831102001"/>
+        <p14:creationId xmlns="" xmlns:p14="http://schemas.microsoft.com/office/powerpoint/2010/main" val="2831102001"/>
       </p:ext>
     </p:extLst>
   </p:cSld>
@@ -1241,7 +1251,8 @@
           <a:p>
             <a:fld id="{438A1D26-8C48-4CA3-B169-97A4A2794143}" type="datetimeFigureOut">
               <a:rPr lang="en-US" smtClean="0"/>
-              <a:t>1/7/2020</a:t>
+              <a:pPr/>
+              <a:t>1/10/2020</a:t>
             </a:fld>
             <a:endParaRPr lang="en-US"/>
           </a:p>
@@ -1283,6 +1294,7 @@
           <a:p>
             <a:fld id="{13A94FBE-A493-43C0-9C3A-DDEA1812A995}" type="slidenum">
               <a:rPr lang="en-US" smtClean="0"/>
+              <a:pPr/>
               <a:t>‹#›</a:t>
             </a:fld>
             <a:endParaRPr lang="en-US"/>
@@ -1292,7 +1304,7 @@
     </p:spTree>
     <p:extLst>
       <p:ext uri="{BB962C8B-B14F-4D97-AF65-F5344CB8AC3E}">
-        <p14:creationId xmlns:p14="http://schemas.microsoft.com/office/powerpoint/2010/main" val="845747831"/>
+        <p14:creationId xmlns="" xmlns:p14="http://schemas.microsoft.com/office/powerpoint/2010/main" val="845747831"/>
       </p:ext>
     </p:extLst>
   </p:cSld>
@@ -1608,7 +1620,8 @@
           <a:p>
             <a:fld id="{438A1D26-8C48-4CA3-B169-97A4A2794143}" type="datetimeFigureOut">
               <a:rPr lang="en-US" smtClean="0"/>
-              <a:t>1/7/2020</a:t>
+              <a:pPr/>
+              <a:t>1/10/2020</a:t>
             </a:fld>
             <a:endParaRPr lang="en-US"/>
           </a:p>
@@ -1650,6 +1663,7 @@
           <a:p>
             <a:fld id="{13A94FBE-A493-43C0-9C3A-DDEA1812A995}" type="slidenum">
               <a:rPr lang="en-US" smtClean="0"/>
+              <a:pPr/>
               <a:t>‹#›</a:t>
             </a:fld>
             <a:endParaRPr lang="en-US"/>
@@ -1659,7 +1673,7 @@
     </p:spTree>
     <p:extLst>
       <p:ext uri="{BB962C8B-B14F-4D97-AF65-F5344CB8AC3E}">
-        <p14:creationId xmlns:p14="http://schemas.microsoft.com/office/powerpoint/2010/main" val="4171740805"/>
+        <p14:creationId xmlns="" xmlns:p14="http://schemas.microsoft.com/office/powerpoint/2010/main" val="4171740805"/>
       </p:ext>
     </p:extLst>
   </p:cSld>
@@ -1726,7 +1740,8 @@
           <a:p>
             <a:fld id="{438A1D26-8C48-4CA3-B169-97A4A2794143}" type="datetimeFigureOut">
               <a:rPr lang="en-US" smtClean="0"/>
-              <a:t>1/7/2020</a:t>
+              <a:pPr/>
+              <a:t>1/10/2020</a:t>
             </a:fld>
             <a:endParaRPr lang="en-US"/>
           </a:p>
@@ -1768,6 +1783,7 @@
           <a:p>
             <a:fld id="{13A94FBE-A493-43C0-9C3A-DDEA1812A995}" type="slidenum">
               <a:rPr lang="en-US" smtClean="0"/>
+              <a:pPr/>
               <a:t>‹#›</a:t>
             </a:fld>
             <a:endParaRPr lang="en-US"/>
@@ -1777,7 +1793,7 @@
     </p:spTree>
     <p:extLst>
       <p:ext uri="{BB962C8B-B14F-4D97-AF65-F5344CB8AC3E}">
-        <p14:creationId xmlns:p14="http://schemas.microsoft.com/office/powerpoint/2010/main" val="2070302432"/>
+        <p14:creationId xmlns="" xmlns:p14="http://schemas.microsoft.com/office/powerpoint/2010/main" val="2070302432"/>
       </p:ext>
     </p:extLst>
   </p:cSld>
@@ -1821,7 +1837,8 @@
           <a:p>
             <a:fld id="{438A1D26-8C48-4CA3-B169-97A4A2794143}" type="datetimeFigureOut">
               <a:rPr lang="en-US" smtClean="0"/>
-              <a:t>1/7/2020</a:t>
+              <a:pPr/>
+              <a:t>1/10/2020</a:t>
             </a:fld>
             <a:endParaRPr lang="en-US"/>
           </a:p>
@@ -1863,6 +1880,7 @@
           <a:p>
             <a:fld id="{13A94FBE-A493-43C0-9C3A-DDEA1812A995}" type="slidenum">
               <a:rPr lang="en-US" smtClean="0"/>
+              <a:pPr/>
               <a:t>‹#›</a:t>
             </a:fld>
             <a:endParaRPr lang="en-US"/>
@@ -1872,7 +1890,7 @@
     </p:spTree>
     <p:extLst>
       <p:ext uri="{BB962C8B-B14F-4D97-AF65-F5344CB8AC3E}">
-        <p14:creationId xmlns:p14="http://schemas.microsoft.com/office/powerpoint/2010/main" val="2413775740"/>
+        <p14:creationId xmlns="" xmlns:p14="http://schemas.microsoft.com/office/powerpoint/2010/main" val="2413775740"/>
       </p:ext>
     </p:extLst>
   </p:cSld>
@@ -2098,7 +2116,8 @@
           <a:p>
             <a:fld id="{438A1D26-8C48-4CA3-B169-97A4A2794143}" type="datetimeFigureOut">
               <a:rPr lang="en-US" smtClean="0"/>
-              <a:t>1/7/2020</a:t>
+              <a:pPr/>
+              <a:t>1/10/2020</a:t>
             </a:fld>
             <a:endParaRPr lang="en-US"/>
           </a:p>
@@ -2140,6 +2159,7 @@
           <a:p>
             <a:fld id="{13A94FBE-A493-43C0-9C3A-DDEA1812A995}" type="slidenum">
               <a:rPr lang="en-US" smtClean="0"/>
+              <a:pPr/>
               <a:t>‹#›</a:t>
             </a:fld>
             <a:endParaRPr lang="en-US"/>
@@ -2149,7 +2169,7 @@
     </p:spTree>
     <p:extLst>
       <p:ext uri="{BB962C8B-B14F-4D97-AF65-F5344CB8AC3E}">
-        <p14:creationId xmlns:p14="http://schemas.microsoft.com/office/powerpoint/2010/main" val="1327485575"/>
+        <p14:creationId xmlns="" xmlns:p14="http://schemas.microsoft.com/office/powerpoint/2010/main" val="1327485575"/>
       </p:ext>
     </p:extLst>
   </p:cSld>
@@ -2351,7 +2371,8 @@
           <a:p>
             <a:fld id="{438A1D26-8C48-4CA3-B169-97A4A2794143}" type="datetimeFigureOut">
               <a:rPr lang="en-US" smtClean="0"/>
-              <a:t>1/7/2020</a:t>
+              <a:pPr/>
+              <a:t>1/10/2020</a:t>
             </a:fld>
             <a:endParaRPr lang="en-US"/>
           </a:p>
@@ -2393,6 +2414,7 @@
           <a:p>
             <a:fld id="{13A94FBE-A493-43C0-9C3A-DDEA1812A995}" type="slidenum">
               <a:rPr lang="en-US" smtClean="0"/>
+              <a:pPr/>
               <a:t>‹#›</a:t>
             </a:fld>
             <a:endParaRPr lang="en-US"/>
@@ -2402,7 +2424,7 @@
     </p:spTree>
     <p:extLst>
       <p:ext uri="{BB962C8B-B14F-4D97-AF65-F5344CB8AC3E}">
-        <p14:creationId xmlns:p14="http://schemas.microsoft.com/office/powerpoint/2010/main" val="2835053586"/>
+        <p14:creationId xmlns="" xmlns:p14="http://schemas.microsoft.com/office/powerpoint/2010/main" val="2835053586"/>
       </p:ext>
     </p:extLst>
   </p:cSld>
@@ -2564,7 +2586,8 @@
           <a:p>
             <a:fld id="{438A1D26-8C48-4CA3-B169-97A4A2794143}" type="datetimeFigureOut">
               <a:rPr lang="en-US" smtClean="0"/>
-              <a:t>1/7/2020</a:t>
+              <a:pPr/>
+              <a:t>1/10/2020</a:t>
             </a:fld>
             <a:endParaRPr lang="en-US"/>
           </a:p>
@@ -2642,6 +2665,7 @@
           <a:p>
             <a:fld id="{13A94FBE-A493-43C0-9C3A-DDEA1812A995}" type="slidenum">
               <a:rPr lang="en-US" smtClean="0"/>
+              <a:pPr/>
               <a:t>‹#›</a:t>
             </a:fld>
             <a:endParaRPr lang="en-US"/>
@@ -2651,7 +2675,7 @@
     </p:spTree>
     <p:extLst>
       <p:ext uri="{BB962C8B-B14F-4D97-AF65-F5344CB8AC3E}">
-        <p14:creationId xmlns:p14="http://schemas.microsoft.com/office/powerpoint/2010/main" val="3770543354"/>
+        <p14:creationId xmlns="" xmlns:p14="http://schemas.microsoft.com/office/powerpoint/2010/main" val="3770543354"/>
       </p:ext>
     </p:extLst>
   </p:cSld>
@@ -3190,13 +3214,20 @@
     </p:spTree>
     <p:extLst>
       <p:ext uri="{BB962C8B-B14F-4D97-AF65-F5344CB8AC3E}">
-        <p14:creationId xmlns:p14="http://schemas.microsoft.com/office/powerpoint/2010/main" val="640813189"/>
+        <p14:creationId xmlns="" xmlns:p14="http://schemas.microsoft.com/office/powerpoint/2010/main" val="640813189"/>
       </p:ext>
     </p:extLst>
   </p:cSld>
   <p:clrMapOvr>
     <a:masterClrMapping/>
   </p:clrMapOvr>
+  <p:timing>
+    <p:tnLst>
+      <p:par>
+        <p:cTn id="1" dur="indefinite" restart="never" nodeType="tmRoot"/>
+      </p:par>
+    </p:tnLst>
+  </p:timing>
 </p:sld>
 </file>
 
@@ -4797,13 +4828,20 @@
     </p:spTree>
     <p:extLst>
       <p:ext uri="{BB962C8B-B14F-4D97-AF65-F5344CB8AC3E}">
-        <p14:creationId xmlns:p14="http://schemas.microsoft.com/office/powerpoint/2010/main" val="3007245491"/>
+        <p14:creationId xmlns="" xmlns:p14="http://schemas.microsoft.com/office/powerpoint/2010/main" val="3007245491"/>
       </p:ext>
     </p:extLst>
   </p:cSld>
   <p:clrMapOvr>
     <a:masterClrMapping/>
   </p:clrMapOvr>
+  <p:timing>
+    <p:tnLst>
+      <p:par>
+        <p:cTn id="1" dur="indefinite" restart="never" nodeType="tmRoot"/>
+      </p:par>
+    </p:tnLst>
+  </p:timing>
 </p:sld>
 </file>
 
@@ -5817,7 +5855,7 @@
     </p:spTree>
     <p:extLst>
       <p:ext uri="{BB962C8B-B14F-4D97-AF65-F5344CB8AC3E}">
-        <p14:creationId xmlns:p14="http://schemas.microsoft.com/office/powerpoint/2010/main" val="796952568"/>
+        <p14:creationId xmlns="" xmlns:p14="http://schemas.microsoft.com/office/powerpoint/2010/main" val="796952568"/>
       </p:ext>
     </p:extLst>
   </p:cSld>
@@ -5870,761 +5908,966 @@
         </p:nvSpPr>
         <p:spPr>
           <a:xfrm>
-            <a:off x="687370" y="402176"/>
-            <a:ext cx="10973587" cy="6083465"/>
+            <a:off x="2636536" y="543574"/>
+            <a:ext cx="2621273" cy="2152487"/>
           </a:xfrm>
         </p:spPr>
         <p:txBody>
-          <a:bodyPr>
-            <a:normAutofit fontScale="92500" lnSpcReduction="10000"/>
+          <a:bodyPr anchor="ctr">
+            <a:normAutofit/>
           </a:bodyPr>
           <a:lstStyle/>
           <a:p>
-            <a:pPr marL="0" indent="0">
+            <a:pPr marL="0" indent="0" algn="ctr">
               <a:buNone/>
             </a:pPr>
             <a:r>
-              <a:rPr lang="zh-TW" altLang="en-US" sz="6000" dirty="0" smtClean="0">
-                <a:solidFill>
-                  <a:schemeClr val="accent6">
-                    <a:lumMod val="50000"/>
-                  </a:schemeClr>
-                </a:solidFill>
-                <a:latin typeface="DengXian" panose="02010600030101010101" pitchFamily="2" charset="-122"/>
-                <a:ea typeface="DengXian" panose="02010600030101010101" pitchFamily="2" charset="-122"/>
-              </a:rPr>
-              <a:t>仁 愛 喜 樂 和 平</a:t>
-            </a:r>
-            <a:endParaRPr lang="en-US" altLang="zh-TW" sz="5400" dirty="0" smtClean="0">
+              <a:rPr lang="zh-CN" altLang="en-US" sz="7200" dirty="0" smtClean="0">
+                <a:solidFill>
+                  <a:schemeClr val="bg1"/>
+                </a:solidFill>
+                <a:effectLst>
+                  <a:outerShdw blurRad="38100" dist="38100" dir="2700000" algn="tl">
+                    <a:srgbClr val="000000">
+                      <a:alpha val="43137"/>
+                    </a:srgbClr>
+                  </a:outerShdw>
+                </a:effectLst>
+                <a:latin typeface="DFKai-SB" panose="03000509000000000000" pitchFamily="65" charset="-120"/>
+                <a:ea typeface="DFKai-SB" panose="03000509000000000000" pitchFamily="65" charset="-120"/>
+              </a:rPr>
+              <a:t>安慰</a:t>
+            </a:r>
+            <a:endParaRPr lang="en-US" altLang="zh-CN" sz="7200" dirty="0" smtClean="0">
               <a:solidFill>
-                <a:schemeClr val="accent6">
-                  <a:lumMod val="50000"/>
-                </a:schemeClr>
+                <a:schemeClr val="bg1"/>
               </a:solidFill>
-              <a:latin typeface="DengXian" panose="02010600030101010101" pitchFamily="2" charset="-122"/>
-              <a:ea typeface="DengXian" panose="02010600030101010101" pitchFamily="2" charset="-122"/>
+              <a:effectLst>
+                <a:outerShdw blurRad="38100" dist="38100" dir="2700000" algn="tl">
+                  <a:srgbClr val="000000">
+                    <a:alpha val="43137"/>
+                  </a:srgbClr>
+                </a:outerShdw>
+              </a:effectLst>
+              <a:latin typeface="DFKai-SB" panose="03000509000000000000" pitchFamily="65" charset="-120"/>
+              <a:ea typeface="DFKai-SB" panose="03000509000000000000" pitchFamily="65" charset="-120"/>
             </a:endParaRPr>
           </a:p>
           <a:p>
-            <a:pPr marL="0" indent="0">
+            <a:pPr marL="0" indent="0" algn="ctr">
               <a:buNone/>
             </a:pPr>
             <a:r>
-              <a:rPr lang="en-US" sz="4400" dirty="0" err="1">
-                <a:solidFill>
-                  <a:schemeClr val="accent4">
-                    <a:lumMod val="50000"/>
-                  </a:schemeClr>
-                </a:solidFill>
-              </a:rPr>
-              <a:t>r</a:t>
-            </a:r>
-            <a:r>
               <a:rPr lang="en-US" sz="4400" dirty="0" err="1" smtClean="0">
                 <a:solidFill>
-                  <a:schemeClr val="accent4">
-                    <a:lumMod val="50000"/>
-                  </a:schemeClr>
-                </a:solidFill>
-              </a:rPr>
-              <a:t>én</a:t>
+                  <a:schemeClr val="bg1"/>
+                </a:solidFill>
+                <a:effectLst>
+                  <a:outerShdw blurRad="38100" dist="38100" dir="2700000" algn="tl">
+                    <a:srgbClr val="000000">
+                      <a:alpha val="43137"/>
+                    </a:srgbClr>
+                  </a:outerShdw>
+                </a:effectLst>
+              </a:rPr>
+              <a:t>ān</a:t>
             </a:r>
             <a:r>
               <a:rPr lang="en-US" sz="4400" dirty="0" smtClean="0">
                 <a:solidFill>
-                  <a:schemeClr val="accent4">
-                    <a:lumMod val="50000"/>
-                  </a:schemeClr>
-                </a:solidFill>
-              </a:rPr>
-              <a:t>   </a:t>
+                  <a:schemeClr val="bg1"/>
+                </a:solidFill>
+                <a:effectLst>
+                  <a:outerShdw blurRad="38100" dist="38100" dir="2700000" algn="tl">
+                    <a:srgbClr val="000000">
+                      <a:alpha val="43137"/>
+                    </a:srgbClr>
+                  </a:outerShdw>
+                </a:effectLst>
+              </a:rPr>
+              <a:t> </a:t>
             </a:r>
             <a:r>
               <a:rPr lang="en-US" sz="4400" dirty="0" err="1" smtClean="0">
                 <a:solidFill>
-                  <a:schemeClr val="accent4">
-                    <a:lumMod val="50000"/>
-                  </a:schemeClr>
-                </a:solidFill>
-              </a:rPr>
-              <a:t>ài</a:t>
-            </a:r>
-            <a:r>
-              <a:rPr lang="en-US" sz="4400" dirty="0" smtClean="0">
-                <a:solidFill>
-                  <a:schemeClr val="accent4">
-                    <a:lumMod val="50000"/>
-                  </a:schemeClr>
-                </a:solidFill>
-              </a:rPr>
-              <a:t>     </a:t>
-            </a:r>
-            <a:r>
-              <a:rPr lang="en-US" sz="4400" dirty="0" err="1" smtClean="0">
-                <a:solidFill>
-                  <a:schemeClr val="accent4">
-                    <a:lumMod val="50000"/>
-                  </a:schemeClr>
-                </a:solidFill>
-              </a:rPr>
-              <a:t>xǐ</a:t>
-            </a:r>
-            <a:r>
-              <a:rPr lang="en-US" sz="4400" dirty="0" smtClean="0">
-                <a:solidFill>
-                  <a:schemeClr val="accent4">
-                    <a:lumMod val="50000"/>
-                  </a:schemeClr>
-                </a:solidFill>
-              </a:rPr>
-              <a:t>    </a:t>
-            </a:r>
-            <a:r>
-              <a:rPr lang="en-US" sz="4400" dirty="0" err="1" smtClean="0">
-                <a:solidFill>
-                  <a:schemeClr val="accent4">
-                    <a:lumMod val="50000"/>
-                  </a:schemeClr>
-                </a:solidFill>
-              </a:rPr>
-              <a:t>lè</a:t>
-            </a:r>
-            <a:r>
-              <a:rPr lang="en-US" sz="4400" dirty="0" smtClean="0">
-                <a:solidFill>
-                  <a:schemeClr val="accent4">
-                    <a:lumMod val="50000"/>
-                  </a:schemeClr>
-                </a:solidFill>
-              </a:rPr>
-              <a:t>     </a:t>
-            </a:r>
-            <a:r>
-              <a:rPr lang="en-US" sz="4400" dirty="0" err="1" smtClean="0">
-                <a:solidFill>
-                  <a:schemeClr val="accent4">
-                    <a:lumMod val="50000"/>
-                  </a:schemeClr>
-                </a:solidFill>
-              </a:rPr>
-              <a:t>h</a:t>
-            </a:r>
-            <a:r>
-              <a:rPr lang="en-US" sz="4400" dirty="0" err="1" smtClean="0">
-                <a:solidFill>
-                  <a:schemeClr val="accent4">
-                    <a:lumMod val="50000"/>
-                  </a:schemeClr>
-                </a:solidFill>
-              </a:rPr>
-              <a:t>é</a:t>
-            </a:r>
-            <a:r>
-              <a:rPr lang="en-US" sz="4400" dirty="0" smtClean="0">
-                <a:solidFill>
-                  <a:schemeClr val="accent4">
-                    <a:lumMod val="50000"/>
-                  </a:schemeClr>
-                </a:solidFill>
-              </a:rPr>
-              <a:t> </a:t>
-            </a:r>
-            <a:r>
-              <a:rPr lang="en-US" sz="4400" dirty="0" err="1" smtClean="0">
-                <a:solidFill>
-                  <a:schemeClr val="accent4">
-                    <a:lumMod val="50000"/>
-                  </a:schemeClr>
-                </a:solidFill>
-              </a:rPr>
-              <a:t>píng</a:t>
-            </a:r>
-            <a:endParaRPr lang="en-US" sz="4400" dirty="0" smtClean="0">
-              <a:solidFill>
-                <a:schemeClr val="accent4">
-                  <a:lumMod val="50000"/>
-                </a:schemeClr>
-              </a:solidFill>
-            </a:endParaRPr>
-          </a:p>
-          <a:p>
-            <a:pPr marL="0" indent="0">
-              <a:buNone/>
-            </a:pPr>
-            <a:r>
-              <a:rPr lang="en-US" altLang="zh-CN" sz="6000" dirty="0" smtClean="0">
-                <a:solidFill>
-                  <a:schemeClr val="accent6">
-                    <a:lumMod val="50000"/>
-                  </a:schemeClr>
-                </a:solidFill>
-                <a:latin typeface="DengXian" panose="02010600030101010101" pitchFamily="2" charset="-122"/>
-                <a:ea typeface="DengXian" panose="02010600030101010101" pitchFamily="2" charset="-122"/>
-              </a:rPr>
-              <a:t>	</a:t>
-            </a:r>
-            <a:r>
-              <a:rPr lang="zh-CN" altLang="en-US" sz="6000" dirty="0" smtClean="0">
-                <a:solidFill>
-                  <a:schemeClr val="accent6">
-                    <a:lumMod val="50000"/>
-                  </a:schemeClr>
-                </a:solidFill>
-                <a:latin typeface="DengXian" panose="02010600030101010101" pitchFamily="2" charset="-122"/>
-                <a:ea typeface="DengXian" panose="02010600030101010101" pitchFamily="2" charset="-122"/>
-              </a:rPr>
-              <a:t>忍 耐 恩 慈 良 善</a:t>
-            </a:r>
-            <a:endParaRPr lang="en-US" altLang="zh-CN" sz="6000" dirty="0">
-              <a:solidFill>
-                <a:schemeClr val="accent6">
-                  <a:lumMod val="50000"/>
-                </a:schemeClr>
-              </a:solidFill>
-              <a:latin typeface="DengXian" panose="02010600030101010101" pitchFamily="2" charset="-122"/>
-              <a:ea typeface="DengXian" panose="02010600030101010101" pitchFamily="2" charset="-122"/>
-            </a:endParaRPr>
-          </a:p>
-          <a:p>
-            <a:pPr marL="0" indent="0">
-              <a:buNone/>
-            </a:pPr>
-            <a:r>
-              <a:rPr lang="en-US" sz="4400" dirty="0" smtClean="0">
-                <a:solidFill>
-                  <a:schemeClr val="accent4">
-                    <a:lumMod val="50000"/>
-                  </a:schemeClr>
-                </a:solidFill>
-              </a:rPr>
-              <a:t>	</a:t>
-            </a:r>
-            <a:r>
-              <a:rPr lang="en-US" sz="4400" dirty="0" err="1" smtClean="0">
-                <a:solidFill>
-                  <a:schemeClr val="accent4">
-                    <a:lumMod val="50000"/>
-                  </a:schemeClr>
-                </a:solidFill>
-              </a:rPr>
-              <a:t>rěn</a:t>
-            </a:r>
-            <a:r>
-              <a:rPr lang="en-US" sz="4400" dirty="0" smtClean="0">
-                <a:solidFill>
-                  <a:schemeClr val="accent4">
-                    <a:lumMod val="50000"/>
-                  </a:schemeClr>
-                </a:solidFill>
-              </a:rPr>
-              <a:t>  </a:t>
-            </a:r>
-            <a:r>
-              <a:rPr lang="en-US" sz="4400" dirty="0" err="1" smtClean="0">
-                <a:solidFill>
-                  <a:schemeClr val="accent4">
-                    <a:lumMod val="50000"/>
-                  </a:schemeClr>
-                </a:solidFill>
-              </a:rPr>
-              <a:t>nài</a:t>
-            </a:r>
-            <a:r>
-              <a:rPr lang="en-US" sz="4400" dirty="0" smtClean="0">
-                <a:solidFill>
-                  <a:schemeClr val="accent4">
-                    <a:lumMod val="50000"/>
-                  </a:schemeClr>
-                </a:solidFill>
-              </a:rPr>
-              <a:t>   </a:t>
-            </a:r>
-            <a:r>
-              <a:rPr lang="en-US" sz="4400" dirty="0" err="1" smtClean="0">
-                <a:solidFill>
-                  <a:schemeClr val="accent4">
-                    <a:lumMod val="50000"/>
-                  </a:schemeClr>
-                </a:solidFill>
-              </a:rPr>
-              <a:t>ēn</a:t>
-            </a:r>
-            <a:r>
-              <a:rPr lang="en-US" sz="4400" dirty="0" smtClean="0">
-                <a:solidFill>
-                  <a:schemeClr val="accent4">
-                    <a:lumMod val="50000"/>
-                  </a:schemeClr>
-                </a:solidFill>
-              </a:rPr>
-              <a:t>   </a:t>
-            </a:r>
-            <a:r>
-              <a:rPr lang="en-US" sz="4400" dirty="0" err="1" smtClean="0">
-                <a:solidFill>
-                  <a:schemeClr val="accent4">
-                    <a:lumMod val="50000"/>
-                  </a:schemeClr>
-                </a:solidFill>
-              </a:rPr>
-              <a:t>cí</a:t>
-            </a:r>
-            <a:r>
-              <a:rPr lang="en-US" sz="4400" dirty="0" smtClean="0">
-                <a:solidFill>
-                  <a:schemeClr val="accent4">
-                    <a:lumMod val="50000"/>
-                  </a:schemeClr>
-                </a:solidFill>
-              </a:rPr>
-              <a:t>   </a:t>
-            </a:r>
-            <a:r>
-              <a:rPr lang="en-US" sz="4400" dirty="0" err="1" smtClean="0">
-                <a:solidFill>
-                  <a:schemeClr val="accent4">
-                    <a:lumMod val="50000"/>
-                  </a:schemeClr>
-                </a:solidFill>
-              </a:rPr>
-              <a:t>liáng</a:t>
-            </a:r>
-            <a:r>
-              <a:rPr lang="en-US" sz="4400" dirty="0" smtClean="0">
-                <a:solidFill>
-                  <a:schemeClr val="accent4">
-                    <a:lumMod val="50000"/>
-                  </a:schemeClr>
-                </a:solidFill>
-              </a:rPr>
-              <a:t> </a:t>
-            </a:r>
-            <a:r>
-              <a:rPr lang="en-US" sz="4400" dirty="0" err="1">
-                <a:solidFill>
-                  <a:schemeClr val="accent4">
-                    <a:lumMod val="50000"/>
-                  </a:schemeClr>
-                </a:solidFill>
-              </a:rPr>
-              <a:t>shàn</a:t>
+                  <a:schemeClr val="bg1"/>
+                </a:solidFill>
+                <a:effectLst>
+                  <a:outerShdw blurRad="38100" dist="38100" dir="2700000" algn="tl">
+                    <a:srgbClr val="000000">
+                      <a:alpha val="43137"/>
+                    </a:srgbClr>
+                  </a:outerShdw>
+                </a:effectLst>
+              </a:rPr>
+              <a:t>wèi</a:t>
             </a:r>
             <a:endParaRPr lang="en-US" sz="4400" dirty="0">
               <a:solidFill>
-                <a:schemeClr val="accent4">
-                  <a:lumMod val="50000"/>
-                </a:schemeClr>
+                <a:schemeClr val="bg1"/>
               </a:solidFill>
+              <a:effectLst>
+                <a:outerShdw blurRad="38100" dist="38100" dir="2700000" algn="tl">
+                  <a:srgbClr val="000000">
+                    <a:alpha val="43137"/>
+                  </a:srgbClr>
+                </a:outerShdw>
+              </a:effectLst>
             </a:endParaRPr>
           </a:p>
-          <a:p>
-            <a:pPr marL="0" indent="0">
+        </p:txBody>
+      </p:sp>
+      <p:sp>
+        <p:nvSpPr>
+          <p:cNvPr id="9" name="Content Placeholder 2"/>
+          <p:cNvSpPr txBox="1">
+            <a:spLocks/>
+          </p:cNvSpPr>
+          <p:nvPr/>
+        </p:nvSpPr>
+        <p:spPr>
+          <a:xfrm>
+            <a:off x="6836142" y="543574"/>
+            <a:ext cx="2621273" cy="2152487"/>
+          </a:xfrm>
+          <a:prstGeom prst="rect">
+            <a:avLst/>
+          </a:prstGeom>
+        </p:spPr>
+        <p:txBody>
+          <a:bodyPr vert="horz" lIns="91440" tIns="45720" rIns="91440" bIns="45720" rtlCol="0" anchor="ctr">
+            <a:normAutofit/>
+          </a:bodyPr>
+          <a:lstStyle>
+            <a:lvl1pPr marL="228600" indent="-228600" algn="l" defTabSz="914400" rtl="0" eaLnBrk="1" latinLnBrk="0" hangingPunct="1">
+              <a:lnSpc>
+                <a:spcPct val="90000"/>
+              </a:lnSpc>
+              <a:spcBef>
+                <a:spcPts val="1000"/>
+              </a:spcBef>
+              <a:buFont typeface="Arial" panose="020B0604020202020204" pitchFamily="34" charset="0"/>
+              <a:buChar char="•"/>
+              <a:defRPr sz="2800" kern="1200">
+                <a:solidFill>
+                  <a:schemeClr val="tx1"/>
+                </a:solidFill>
+                <a:latin typeface="+mn-lt"/>
+                <a:ea typeface="+mn-ea"/>
+                <a:cs typeface="+mn-cs"/>
+              </a:defRPr>
+            </a:lvl1pPr>
+            <a:lvl2pPr marL="685800" indent="-228600" algn="l" defTabSz="914400" rtl="0" eaLnBrk="1" latinLnBrk="0" hangingPunct="1">
+              <a:lnSpc>
+                <a:spcPct val="90000"/>
+              </a:lnSpc>
+              <a:spcBef>
+                <a:spcPts val="500"/>
+              </a:spcBef>
+              <a:buFont typeface="Arial" panose="020B0604020202020204" pitchFamily="34" charset="0"/>
+              <a:buChar char="•"/>
+              <a:defRPr sz="2400" kern="1200">
+                <a:solidFill>
+                  <a:schemeClr val="tx1"/>
+                </a:solidFill>
+                <a:latin typeface="+mn-lt"/>
+                <a:ea typeface="+mn-ea"/>
+                <a:cs typeface="+mn-cs"/>
+              </a:defRPr>
+            </a:lvl2pPr>
+            <a:lvl3pPr marL="1143000" indent="-228600" algn="l" defTabSz="914400" rtl="0" eaLnBrk="1" latinLnBrk="0" hangingPunct="1">
+              <a:lnSpc>
+                <a:spcPct val="90000"/>
+              </a:lnSpc>
+              <a:spcBef>
+                <a:spcPts val="500"/>
+              </a:spcBef>
+              <a:buFont typeface="Arial" panose="020B0604020202020204" pitchFamily="34" charset="0"/>
+              <a:buChar char="•"/>
+              <a:defRPr sz="2000" kern="1200">
+                <a:solidFill>
+                  <a:schemeClr val="tx1"/>
+                </a:solidFill>
+                <a:latin typeface="+mn-lt"/>
+                <a:ea typeface="+mn-ea"/>
+                <a:cs typeface="+mn-cs"/>
+              </a:defRPr>
+            </a:lvl3pPr>
+            <a:lvl4pPr marL="1600200" indent="-228600" algn="l" defTabSz="914400" rtl="0" eaLnBrk="1" latinLnBrk="0" hangingPunct="1">
+              <a:lnSpc>
+                <a:spcPct val="90000"/>
+              </a:lnSpc>
+              <a:spcBef>
+                <a:spcPts val="500"/>
+              </a:spcBef>
+              <a:buFont typeface="Arial" panose="020B0604020202020204" pitchFamily="34" charset="0"/>
+              <a:buChar char="•"/>
+              <a:defRPr sz="1800" kern="1200">
+                <a:solidFill>
+                  <a:schemeClr val="tx1"/>
+                </a:solidFill>
+                <a:latin typeface="+mn-lt"/>
+                <a:ea typeface="+mn-ea"/>
+                <a:cs typeface="+mn-cs"/>
+              </a:defRPr>
+            </a:lvl4pPr>
+            <a:lvl5pPr marL="2057400" indent="-228600" algn="l" defTabSz="914400" rtl="0" eaLnBrk="1" latinLnBrk="0" hangingPunct="1">
+              <a:lnSpc>
+                <a:spcPct val="90000"/>
+              </a:lnSpc>
+              <a:spcBef>
+                <a:spcPts val="500"/>
+              </a:spcBef>
+              <a:buFont typeface="Arial" panose="020B0604020202020204" pitchFamily="34" charset="0"/>
+              <a:buChar char="•"/>
+              <a:defRPr sz="1800" kern="1200">
+                <a:solidFill>
+                  <a:schemeClr val="tx1"/>
+                </a:solidFill>
+                <a:latin typeface="+mn-lt"/>
+                <a:ea typeface="+mn-ea"/>
+                <a:cs typeface="+mn-cs"/>
+              </a:defRPr>
+            </a:lvl5pPr>
+            <a:lvl6pPr marL="2514600" indent="-228600" algn="l" defTabSz="914400" rtl="0" eaLnBrk="1" latinLnBrk="0" hangingPunct="1">
+              <a:lnSpc>
+                <a:spcPct val="90000"/>
+              </a:lnSpc>
+              <a:spcBef>
+                <a:spcPts val="500"/>
+              </a:spcBef>
+              <a:buFont typeface="Arial" panose="020B0604020202020204" pitchFamily="34" charset="0"/>
+              <a:buChar char="•"/>
+              <a:defRPr sz="1800" kern="1200">
+                <a:solidFill>
+                  <a:schemeClr val="tx1"/>
+                </a:solidFill>
+                <a:latin typeface="+mn-lt"/>
+                <a:ea typeface="+mn-ea"/>
+                <a:cs typeface="+mn-cs"/>
+              </a:defRPr>
+            </a:lvl6pPr>
+            <a:lvl7pPr marL="2971800" indent="-228600" algn="l" defTabSz="914400" rtl="0" eaLnBrk="1" latinLnBrk="0" hangingPunct="1">
+              <a:lnSpc>
+                <a:spcPct val="90000"/>
+              </a:lnSpc>
+              <a:spcBef>
+                <a:spcPts val="500"/>
+              </a:spcBef>
+              <a:buFont typeface="Arial" panose="020B0604020202020204" pitchFamily="34" charset="0"/>
+              <a:buChar char="•"/>
+              <a:defRPr sz="1800" kern="1200">
+                <a:solidFill>
+                  <a:schemeClr val="tx1"/>
+                </a:solidFill>
+                <a:latin typeface="+mn-lt"/>
+                <a:ea typeface="+mn-ea"/>
+                <a:cs typeface="+mn-cs"/>
+              </a:defRPr>
+            </a:lvl7pPr>
+            <a:lvl8pPr marL="3429000" indent="-228600" algn="l" defTabSz="914400" rtl="0" eaLnBrk="1" latinLnBrk="0" hangingPunct="1">
+              <a:lnSpc>
+                <a:spcPct val="90000"/>
+              </a:lnSpc>
+              <a:spcBef>
+                <a:spcPts val="500"/>
+              </a:spcBef>
+              <a:buFont typeface="Arial" panose="020B0604020202020204" pitchFamily="34" charset="0"/>
+              <a:buChar char="•"/>
+              <a:defRPr sz="1800" kern="1200">
+                <a:solidFill>
+                  <a:schemeClr val="tx1"/>
+                </a:solidFill>
+                <a:latin typeface="+mn-lt"/>
+                <a:ea typeface="+mn-ea"/>
+                <a:cs typeface="+mn-cs"/>
+              </a:defRPr>
+            </a:lvl8pPr>
+            <a:lvl9pPr marL="3886200" indent="-228600" algn="l" defTabSz="914400" rtl="0" eaLnBrk="1" latinLnBrk="0" hangingPunct="1">
+              <a:lnSpc>
+                <a:spcPct val="90000"/>
+              </a:lnSpc>
+              <a:spcBef>
+                <a:spcPts val="500"/>
+              </a:spcBef>
+              <a:buFont typeface="Arial" panose="020B0604020202020204" pitchFamily="34" charset="0"/>
+              <a:buChar char="•"/>
+              <a:defRPr sz="1800" kern="1200">
+                <a:solidFill>
+                  <a:schemeClr val="tx1"/>
+                </a:solidFill>
+                <a:latin typeface="+mn-lt"/>
+                <a:ea typeface="+mn-ea"/>
+                <a:cs typeface="+mn-cs"/>
+              </a:defRPr>
+            </a:lvl9pPr>
+          </a:lstStyle>
+          <a:p>
+            <a:pPr marL="0" indent="0" algn="ctr">
               <a:buNone/>
             </a:pPr>
             <a:r>
-              <a:rPr lang="en-US" altLang="zh-TW" sz="6100" dirty="0" smtClean="0">
-                <a:solidFill>
-                  <a:schemeClr val="accent6">
-                    <a:lumMod val="50000"/>
-                  </a:schemeClr>
-                </a:solidFill>
-                <a:latin typeface="DengXian" panose="02010600030101010101" pitchFamily="2" charset="-122"/>
-                <a:ea typeface="DengXian" panose="02010600030101010101" pitchFamily="2" charset="-122"/>
-              </a:rPr>
-              <a:t>		</a:t>
-            </a:r>
-            <a:r>
-              <a:rPr lang="zh-TW" altLang="en-US" sz="6100" dirty="0" smtClean="0">
-                <a:solidFill>
-                  <a:schemeClr val="accent6">
-                    <a:lumMod val="50000"/>
-                  </a:schemeClr>
-                </a:solidFill>
-                <a:latin typeface="DengXian" panose="02010600030101010101" pitchFamily="2" charset="-122"/>
-                <a:ea typeface="DengXian" panose="02010600030101010101" pitchFamily="2" charset="-122"/>
-              </a:rPr>
-              <a:t>信 實 溫 柔 和 節 制</a:t>
-            </a:r>
-            <a:endParaRPr lang="en-US" altLang="zh-TW" sz="6100" dirty="0">
+              <a:rPr lang="zh-CN" altLang="en-US" sz="7200" dirty="0" smtClean="0">
+                <a:solidFill>
+                  <a:schemeClr val="bg1"/>
+                </a:solidFill>
+                <a:effectLst>
+                  <a:outerShdw blurRad="38100" dist="38100" dir="2700000" algn="tl">
+                    <a:srgbClr val="000000">
+                      <a:alpha val="43137"/>
+                    </a:srgbClr>
+                  </a:outerShdw>
+                </a:effectLst>
+                <a:latin typeface="DFKai-SB" panose="03000509000000000000" pitchFamily="65" charset="-120"/>
+                <a:ea typeface="DFKai-SB" panose="03000509000000000000" pitchFamily="65" charset="-120"/>
+              </a:rPr>
+              <a:t>教導</a:t>
+            </a:r>
+            <a:endParaRPr lang="en-US" altLang="zh-CN" sz="7200" dirty="0" smtClean="0">
               <a:solidFill>
-                <a:schemeClr val="accent6">
-                  <a:lumMod val="50000"/>
-                </a:schemeClr>
+                <a:schemeClr val="bg1"/>
               </a:solidFill>
-              <a:latin typeface="DengXian" panose="02010600030101010101" pitchFamily="2" charset="-122"/>
-              <a:ea typeface="DengXian" panose="02010600030101010101" pitchFamily="2" charset="-122"/>
+              <a:effectLst>
+                <a:outerShdw blurRad="38100" dist="38100" dir="2700000" algn="tl">
+                  <a:srgbClr val="000000">
+                    <a:alpha val="43137"/>
+                  </a:srgbClr>
+                </a:outerShdw>
+              </a:effectLst>
+              <a:latin typeface="DFKai-SB" panose="03000509000000000000" pitchFamily="65" charset="-120"/>
+              <a:ea typeface="DFKai-SB" panose="03000509000000000000" pitchFamily="65" charset="-120"/>
             </a:endParaRPr>
           </a:p>
           <a:p>
-            <a:pPr marL="0" indent="0">
+            <a:pPr marL="0" indent="0" algn="ctr">
               <a:buNone/>
             </a:pPr>
             <a:r>
-              <a:rPr lang="en-US" sz="4400" dirty="0" smtClean="0">
-                <a:solidFill>
-                  <a:schemeClr val="accent4">
-                    <a:lumMod val="50000"/>
-                  </a:schemeClr>
-                </a:solidFill>
-              </a:rPr>
-              <a:t>		</a:t>
-            </a:r>
-            <a:r>
-              <a:rPr lang="en-US" sz="4400" dirty="0" err="1" smtClean="0">
-                <a:solidFill>
-                  <a:schemeClr val="accent4">
-                    <a:lumMod val="50000"/>
-                  </a:schemeClr>
-                </a:solidFill>
-              </a:rPr>
-              <a:t>xìn</a:t>
-            </a:r>
-            <a:r>
-              <a:rPr lang="en-US" sz="4400" dirty="0" smtClean="0">
-                <a:solidFill>
-                  <a:schemeClr val="accent4">
-                    <a:lumMod val="50000"/>
-                  </a:schemeClr>
-                </a:solidFill>
-              </a:rPr>
-              <a:t>  </a:t>
-            </a:r>
-            <a:r>
-              <a:rPr lang="en-US" sz="4400" dirty="0" err="1" smtClean="0">
-                <a:solidFill>
-                  <a:schemeClr val="accent4">
-                    <a:lumMod val="50000"/>
-                  </a:schemeClr>
-                </a:solidFill>
-              </a:rPr>
-              <a:t>shí</a:t>
-            </a:r>
-            <a:r>
-              <a:rPr lang="en-US" sz="4400" dirty="0" smtClean="0">
-                <a:solidFill>
-                  <a:schemeClr val="accent4">
-                    <a:lumMod val="50000"/>
-                  </a:schemeClr>
-                </a:solidFill>
-              </a:rPr>
-              <a:t>  </a:t>
-            </a:r>
-            <a:r>
-              <a:rPr lang="en-US" sz="4400" dirty="0" err="1" smtClean="0">
-                <a:solidFill>
-                  <a:schemeClr val="accent4">
-                    <a:lumMod val="50000"/>
-                  </a:schemeClr>
-                </a:solidFill>
-              </a:rPr>
-              <a:t>wēn</a:t>
-            </a:r>
-            <a:r>
-              <a:rPr lang="en-US" sz="4400" dirty="0" smtClean="0">
-                <a:solidFill>
-                  <a:schemeClr val="accent4">
-                    <a:lumMod val="50000"/>
-                  </a:schemeClr>
-                </a:solidFill>
+              <a:rPr lang="en-US" sz="4400" dirty="0" err="1">
+                <a:solidFill>
+                  <a:schemeClr val="bg1"/>
+                </a:solidFill>
+                <a:effectLst>
+                  <a:outerShdw blurRad="38100" dist="38100" dir="2700000" algn="tl">
+                    <a:srgbClr val="000000">
+                      <a:alpha val="43137"/>
+                    </a:srgbClr>
+                  </a:outerShdw>
+                </a:effectLst>
+              </a:rPr>
+              <a:t>jiào</a:t>
+            </a:r>
+            <a:r>
+              <a:rPr lang="en-US" sz="4400" dirty="0">
+                <a:solidFill>
+                  <a:schemeClr val="bg1"/>
+                </a:solidFill>
+                <a:effectLst>
+                  <a:outerShdw blurRad="38100" dist="38100" dir="2700000" algn="tl">
+                    <a:srgbClr val="000000">
+                      <a:alpha val="43137"/>
+                    </a:srgbClr>
+                  </a:outerShdw>
+                </a:effectLst>
               </a:rPr>
               <a:t> </a:t>
             </a:r>
             <a:r>
               <a:rPr lang="en-US" sz="4400" dirty="0" err="1">
                 <a:solidFill>
-                  <a:schemeClr val="accent4">
-                    <a:lumMod val="50000"/>
-                  </a:schemeClr>
-                </a:solidFill>
-              </a:rPr>
-              <a:t>róu</a:t>
-            </a:r>
-            <a:r>
-              <a:rPr lang="en-US" sz="4400" dirty="0">
-                <a:solidFill>
-                  <a:schemeClr val="accent4">
-                    <a:lumMod val="50000"/>
-                  </a:schemeClr>
-                </a:solidFill>
-              </a:rPr>
-              <a:t> </a:t>
-            </a:r>
-            <a:r>
-              <a:rPr lang="en-US" sz="4400" dirty="0" smtClean="0">
-                <a:solidFill>
-                  <a:schemeClr val="accent4">
-                    <a:lumMod val="50000"/>
-                  </a:schemeClr>
-                </a:solidFill>
-              </a:rPr>
-              <a:t>  </a:t>
-            </a:r>
-            <a:r>
-              <a:rPr lang="en-US" sz="4400" dirty="0" err="1" smtClean="0">
-                <a:solidFill>
-                  <a:schemeClr val="accent4">
-                    <a:lumMod val="50000"/>
-                  </a:schemeClr>
-                </a:solidFill>
-              </a:rPr>
-              <a:t>hé</a:t>
-            </a:r>
-            <a:r>
-              <a:rPr lang="en-US" sz="4400" dirty="0" smtClean="0">
-                <a:solidFill>
-                  <a:schemeClr val="accent4">
-                    <a:lumMod val="50000"/>
-                  </a:schemeClr>
-                </a:solidFill>
-              </a:rPr>
-              <a:t>   </a:t>
-            </a:r>
-            <a:r>
-              <a:rPr lang="en-US" sz="4400" dirty="0" err="1" smtClean="0">
-                <a:solidFill>
-                  <a:schemeClr val="accent4">
-                    <a:lumMod val="50000"/>
-                  </a:schemeClr>
-                </a:solidFill>
-              </a:rPr>
-              <a:t>jié</a:t>
-            </a:r>
-            <a:r>
-              <a:rPr lang="en-US" sz="4400" dirty="0" smtClean="0">
-                <a:solidFill>
-                  <a:schemeClr val="accent4">
-                    <a:lumMod val="50000"/>
-                  </a:schemeClr>
-                </a:solidFill>
-              </a:rPr>
-              <a:t>   </a:t>
-            </a:r>
-            <a:r>
-              <a:rPr lang="en-US" sz="4400" dirty="0" err="1" smtClean="0">
-                <a:solidFill>
-                  <a:schemeClr val="accent4">
-                    <a:lumMod val="50000"/>
-                  </a:schemeClr>
-                </a:solidFill>
-              </a:rPr>
-              <a:t>zhì</a:t>
+                  <a:schemeClr val="bg1"/>
+                </a:solidFill>
+                <a:effectLst>
+                  <a:outerShdw blurRad="38100" dist="38100" dir="2700000" algn="tl">
+                    <a:srgbClr val="000000">
+                      <a:alpha val="43137"/>
+                    </a:srgbClr>
+                  </a:outerShdw>
+                </a:effectLst>
+              </a:rPr>
+              <a:t>dǎo</a:t>
             </a:r>
             <a:endParaRPr lang="en-US" sz="4400" dirty="0">
               <a:solidFill>
-                <a:schemeClr val="accent4">
-                  <a:lumMod val="50000"/>
-                </a:schemeClr>
+                <a:schemeClr val="bg1"/>
               </a:solidFill>
+              <a:effectLst>
+                <a:outerShdw blurRad="38100" dist="38100" dir="2700000" algn="tl">
+                  <a:srgbClr val="000000">
+                    <a:alpha val="43137"/>
+                  </a:srgbClr>
+                </a:outerShdw>
+              </a:effectLst>
             </a:endParaRPr>
           </a:p>
-          <a:p>
-            <a:pPr marL="0" indent="0">
+        </p:txBody>
+      </p:sp>
+      <p:sp>
+        <p:nvSpPr>
+          <p:cNvPr id="10" name="Content Placeholder 2"/>
+          <p:cNvSpPr txBox="1">
+            <a:spLocks/>
+          </p:cNvSpPr>
+          <p:nvPr/>
+        </p:nvSpPr>
+        <p:spPr>
+          <a:xfrm>
+            <a:off x="2636536" y="2818972"/>
+            <a:ext cx="2621273" cy="2152487"/>
+          </a:xfrm>
+          <a:prstGeom prst="rect">
+            <a:avLst/>
+          </a:prstGeom>
+        </p:spPr>
+        <p:txBody>
+          <a:bodyPr vert="horz" lIns="91440" tIns="45720" rIns="91440" bIns="45720" rtlCol="0" anchor="ctr">
+            <a:normAutofit/>
+          </a:bodyPr>
+          <a:lstStyle>
+            <a:lvl1pPr marL="228600" indent="-228600" algn="l" defTabSz="914400" rtl="0" eaLnBrk="1" latinLnBrk="0" hangingPunct="1">
+              <a:lnSpc>
+                <a:spcPct val="90000"/>
+              </a:lnSpc>
+              <a:spcBef>
+                <a:spcPts val="1000"/>
+              </a:spcBef>
+              <a:buFont typeface="Arial" panose="020B0604020202020204" pitchFamily="34" charset="0"/>
+              <a:buChar char="•"/>
+              <a:defRPr sz="2800" kern="1200">
+                <a:solidFill>
+                  <a:schemeClr val="tx1"/>
+                </a:solidFill>
+                <a:latin typeface="+mn-lt"/>
+                <a:ea typeface="+mn-ea"/>
+                <a:cs typeface="+mn-cs"/>
+              </a:defRPr>
+            </a:lvl1pPr>
+            <a:lvl2pPr marL="685800" indent="-228600" algn="l" defTabSz="914400" rtl="0" eaLnBrk="1" latinLnBrk="0" hangingPunct="1">
+              <a:lnSpc>
+                <a:spcPct val="90000"/>
+              </a:lnSpc>
+              <a:spcBef>
+                <a:spcPts val="500"/>
+              </a:spcBef>
+              <a:buFont typeface="Arial" panose="020B0604020202020204" pitchFamily="34" charset="0"/>
+              <a:buChar char="•"/>
+              <a:defRPr sz="2400" kern="1200">
+                <a:solidFill>
+                  <a:schemeClr val="tx1"/>
+                </a:solidFill>
+                <a:latin typeface="+mn-lt"/>
+                <a:ea typeface="+mn-ea"/>
+                <a:cs typeface="+mn-cs"/>
+              </a:defRPr>
+            </a:lvl2pPr>
+            <a:lvl3pPr marL="1143000" indent="-228600" algn="l" defTabSz="914400" rtl="0" eaLnBrk="1" latinLnBrk="0" hangingPunct="1">
+              <a:lnSpc>
+                <a:spcPct val="90000"/>
+              </a:lnSpc>
+              <a:spcBef>
+                <a:spcPts val="500"/>
+              </a:spcBef>
+              <a:buFont typeface="Arial" panose="020B0604020202020204" pitchFamily="34" charset="0"/>
+              <a:buChar char="•"/>
+              <a:defRPr sz="2000" kern="1200">
+                <a:solidFill>
+                  <a:schemeClr val="tx1"/>
+                </a:solidFill>
+                <a:latin typeface="+mn-lt"/>
+                <a:ea typeface="+mn-ea"/>
+                <a:cs typeface="+mn-cs"/>
+              </a:defRPr>
+            </a:lvl3pPr>
+            <a:lvl4pPr marL="1600200" indent="-228600" algn="l" defTabSz="914400" rtl="0" eaLnBrk="1" latinLnBrk="0" hangingPunct="1">
+              <a:lnSpc>
+                <a:spcPct val="90000"/>
+              </a:lnSpc>
+              <a:spcBef>
+                <a:spcPts val="500"/>
+              </a:spcBef>
+              <a:buFont typeface="Arial" panose="020B0604020202020204" pitchFamily="34" charset="0"/>
+              <a:buChar char="•"/>
+              <a:defRPr sz="1800" kern="1200">
+                <a:solidFill>
+                  <a:schemeClr val="tx1"/>
+                </a:solidFill>
+                <a:latin typeface="+mn-lt"/>
+                <a:ea typeface="+mn-ea"/>
+                <a:cs typeface="+mn-cs"/>
+              </a:defRPr>
+            </a:lvl4pPr>
+            <a:lvl5pPr marL="2057400" indent="-228600" algn="l" defTabSz="914400" rtl="0" eaLnBrk="1" latinLnBrk="0" hangingPunct="1">
+              <a:lnSpc>
+                <a:spcPct val="90000"/>
+              </a:lnSpc>
+              <a:spcBef>
+                <a:spcPts val="500"/>
+              </a:spcBef>
+              <a:buFont typeface="Arial" panose="020B0604020202020204" pitchFamily="34" charset="0"/>
+              <a:buChar char="•"/>
+              <a:defRPr sz="1800" kern="1200">
+                <a:solidFill>
+                  <a:schemeClr val="tx1"/>
+                </a:solidFill>
+                <a:latin typeface="+mn-lt"/>
+                <a:ea typeface="+mn-ea"/>
+                <a:cs typeface="+mn-cs"/>
+              </a:defRPr>
+            </a:lvl5pPr>
+            <a:lvl6pPr marL="2514600" indent="-228600" algn="l" defTabSz="914400" rtl="0" eaLnBrk="1" latinLnBrk="0" hangingPunct="1">
+              <a:lnSpc>
+                <a:spcPct val="90000"/>
+              </a:lnSpc>
+              <a:spcBef>
+                <a:spcPts val="500"/>
+              </a:spcBef>
+              <a:buFont typeface="Arial" panose="020B0604020202020204" pitchFamily="34" charset="0"/>
+              <a:buChar char="•"/>
+              <a:defRPr sz="1800" kern="1200">
+                <a:solidFill>
+                  <a:schemeClr val="tx1"/>
+                </a:solidFill>
+                <a:latin typeface="+mn-lt"/>
+                <a:ea typeface="+mn-ea"/>
+                <a:cs typeface="+mn-cs"/>
+              </a:defRPr>
+            </a:lvl6pPr>
+            <a:lvl7pPr marL="2971800" indent="-228600" algn="l" defTabSz="914400" rtl="0" eaLnBrk="1" latinLnBrk="0" hangingPunct="1">
+              <a:lnSpc>
+                <a:spcPct val="90000"/>
+              </a:lnSpc>
+              <a:spcBef>
+                <a:spcPts val="500"/>
+              </a:spcBef>
+              <a:buFont typeface="Arial" panose="020B0604020202020204" pitchFamily="34" charset="0"/>
+              <a:buChar char="•"/>
+              <a:defRPr sz="1800" kern="1200">
+                <a:solidFill>
+                  <a:schemeClr val="tx1"/>
+                </a:solidFill>
+                <a:latin typeface="+mn-lt"/>
+                <a:ea typeface="+mn-ea"/>
+                <a:cs typeface="+mn-cs"/>
+              </a:defRPr>
+            </a:lvl7pPr>
+            <a:lvl8pPr marL="3429000" indent="-228600" algn="l" defTabSz="914400" rtl="0" eaLnBrk="1" latinLnBrk="0" hangingPunct="1">
+              <a:lnSpc>
+                <a:spcPct val="90000"/>
+              </a:lnSpc>
+              <a:spcBef>
+                <a:spcPts val="500"/>
+              </a:spcBef>
+              <a:buFont typeface="Arial" panose="020B0604020202020204" pitchFamily="34" charset="0"/>
+              <a:buChar char="•"/>
+              <a:defRPr sz="1800" kern="1200">
+                <a:solidFill>
+                  <a:schemeClr val="tx1"/>
+                </a:solidFill>
+                <a:latin typeface="+mn-lt"/>
+                <a:ea typeface="+mn-ea"/>
+                <a:cs typeface="+mn-cs"/>
+              </a:defRPr>
+            </a:lvl8pPr>
+            <a:lvl9pPr marL="3886200" indent="-228600" algn="l" defTabSz="914400" rtl="0" eaLnBrk="1" latinLnBrk="0" hangingPunct="1">
+              <a:lnSpc>
+                <a:spcPct val="90000"/>
+              </a:lnSpc>
+              <a:spcBef>
+                <a:spcPts val="500"/>
+              </a:spcBef>
+              <a:buFont typeface="Arial" panose="020B0604020202020204" pitchFamily="34" charset="0"/>
+              <a:buChar char="•"/>
+              <a:defRPr sz="1800" kern="1200">
+                <a:solidFill>
+                  <a:schemeClr val="tx1"/>
+                </a:solidFill>
+                <a:latin typeface="+mn-lt"/>
+                <a:ea typeface="+mn-ea"/>
+                <a:cs typeface="+mn-cs"/>
+              </a:defRPr>
+            </a:lvl9pPr>
+          </a:lstStyle>
+          <a:p>
+            <a:pPr marL="0" indent="0" algn="ctr">
               <a:buNone/>
             </a:pPr>
             <a:r>
-              <a:rPr lang="en-US" altLang="zh-TW" sz="6100" dirty="0" smtClean="0">
-                <a:solidFill>
-                  <a:schemeClr val="accent6">
-                    <a:lumMod val="50000"/>
-                  </a:schemeClr>
-                </a:solidFill>
-                <a:latin typeface="DengXian" panose="02010600030101010101" pitchFamily="2" charset="-122"/>
-                <a:ea typeface="DengXian" panose="02010600030101010101" pitchFamily="2" charset="-122"/>
-              </a:rPr>
-              <a:t>		     </a:t>
-            </a:r>
-            <a:r>
-              <a:rPr lang="zh-TW" altLang="en-US" sz="6100" dirty="0" smtClean="0">
-                <a:solidFill>
-                  <a:schemeClr val="accent6">
-                    <a:lumMod val="50000"/>
-                  </a:schemeClr>
-                </a:solidFill>
-                <a:latin typeface="DengXian" panose="02010600030101010101" pitchFamily="2" charset="-122"/>
-                <a:ea typeface="DengXian" panose="02010600030101010101" pitchFamily="2" charset="-122"/>
-              </a:rPr>
-              <a:t>這 些 都 是 聖 靈 的 果 子</a:t>
-            </a:r>
-            <a:endParaRPr lang="en-US" altLang="zh-TW" sz="6100" dirty="0">
+              <a:rPr lang="zh-CN" altLang="en-US" sz="7200" dirty="0" smtClean="0">
+                <a:solidFill>
+                  <a:schemeClr val="bg1"/>
+                </a:solidFill>
+                <a:effectLst>
+                  <a:outerShdw blurRad="38100" dist="38100" dir="2700000" algn="tl">
+                    <a:srgbClr val="000000">
+                      <a:alpha val="43137"/>
+                    </a:srgbClr>
+                  </a:outerShdw>
+                </a:effectLst>
+                <a:latin typeface="DFKai-SB" panose="03000509000000000000" pitchFamily="65" charset="-120"/>
+                <a:ea typeface="DFKai-SB" panose="03000509000000000000" pitchFamily="65" charset="-120"/>
+              </a:rPr>
+              <a:t>勇敢</a:t>
+            </a:r>
+            <a:endParaRPr lang="en-US" altLang="zh-CN" sz="7200" dirty="0" smtClean="0">
               <a:solidFill>
-                <a:schemeClr val="accent6">
-                  <a:lumMod val="50000"/>
-                </a:schemeClr>
+                <a:schemeClr val="bg1"/>
               </a:solidFill>
-              <a:latin typeface="DengXian" panose="02010600030101010101" pitchFamily="2" charset="-122"/>
-              <a:ea typeface="DengXian" panose="02010600030101010101" pitchFamily="2" charset="-122"/>
+              <a:effectLst>
+                <a:outerShdw blurRad="38100" dist="38100" dir="2700000" algn="tl">
+                  <a:srgbClr val="000000">
+                    <a:alpha val="43137"/>
+                  </a:srgbClr>
+                </a:outerShdw>
+              </a:effectLst>
+              <a:latin typeface="DFKai-SB" panose="03000509000000000000" pitchFamily="65" charset="-120"/>
+              <a:ea typeface="DFKai-SB" panose="03000509000000000000" pitchFamily="65" charset="-120"/>
             </a:endParaRPr>
           </a:p>
           <a:p>
-            <a:pPr marL="0" indent="0">
+            <a:pPr marL="0" indent="0" algn="ctr">
               <a:buNone/>
             </a:pPr>
             <a:r>
-              <a:rPr lang="en-US" sz="4400" dirty="0" smtClean="0">
-                <a:solidFill>
-                  <a:schemeClr val="accent4">
-                    <a:lumMod val="50000"/>
-                  </a:schemeClr>
-                </a:solidFill>
-              </a:rPr>
-              <a:t>			</a:t>
-            </a:r>
-            <a:r>
-              <a:rPr lang="en-US" sz="4400" dirty="0" err="1" smtClean="0">
-                <a:solidFill>
-                  <a:schemeClr val="accent4">
-                    <a:lumMod val="50000"/>
-                  </a:schemeClr>
-                </a:solidFill>
-              </a:rPr>
-              <a:t>zhè</a:t>
-            </a:r>
-            <a:r>
-              <a:rPr lang="en-US" sz="4400" dirty="0" smtClean="0">
-                <a:solidFill>
-                  <a:schemeClr val="accent4">
-                    <a:lumMod val="50000"/>
-                  </a:schemeClr>
-                </a:solidFill>
-              </a:rPr>
-              <a:t>  </a:t>
-            </a:r>
-            <a:r>
-              <a:rPr lang="en-US" sz="4400" dirty="0" err="1" smtClean="0">
-                <a:solidFill>
-                  <a:schemeClr val="accent4">
-                    <a:lumMod val="50000"/>
-                  </a:schemeClr>
-                </a:solidFill>
-              </a:rPr>
-              <a:t>xiē</a:t>
-            </a:r>
-            <a:r>
-              <a:rPr lang="en-US" sz="4400" dirty="0" smtClean="0">
-                <a:solidFill>
-                  <a:schemeClr val="accent4">
-                    <a:lumMod val="50000"/>
-                  </a:schemeClr>
-                </a:solidFill>
-              </a:rPr>
-              <a:t>  </a:t>
-            </a:r>
-            <a:r>
-              <a:rPr lang="en-US" sz="4400" dirty="0" err="1" smtClean="0">
-                <a:solidFill>
-                  <a:schemeClr val="accent4">
-                    <a:lumMod val="50000"/>
-                  </a:schemeClr>
-                </a:solidFill>
-              </a:rPr>
-              <a:t>dōu</a:t>
-            </a:r>
-            <a:r>
-              <a:rPr lang="en-US" sz="4400" dirty="0" smtClean="0">
-                <a:solidFill>
-                  <a:schemeClr val="accent4">
-                    <a:lumMod val="50000"/>
-                  </a:schemeClr>
-                </a:solidFill>
+              <a:rPr lang="en-US" sz="4400" dirty="0" err="1">
+                <a:solidFill>
+                  <a:schemeClr val="bg1"/>
+                </a:solidFill>
+                <a:effectLst>
+                  <a:outerShdw blurRad="38100" dist="38100" dir="2700000" algn="tl">
+                    <a:srgbClr val="000000">
+                      <a:alpha val="43137"/>
+                    </a:srgbClr>
+                  </a:outerShdw>
+                </a:effectLst>
+              </a:rPr>
+              <a:t>yǒng</a:t>
+            </a:r>
+            <a:r>
+              <a:rPr lang="en-US" sz="4400" dirty="0">
+                <a:solidFill>
+                  <a:schemeClr val="bg1"/>
+                </a:solidFill>
+                <a:effectLst>
+                  <a:outerShdw blurRad="38100" dist="38100" dir="2700000" algn="tl">
+                    <a:srgbClr val="000000">
+                      <a:alpha val="43137"/>
+                    </a:srgbClr>
+                  </a:outerShdw>
+                </a:effectLst>
               </a:rPr>
               <a:t> </a:t>
             </a:r>
             <a:r>
               <a:rPr lang="en-US" sz="4400" dirty="0" err="1">
                 <a:solidFill>
-                  <a:schemeClr val="accent4">
-                    <a:lumMod val="50000"/>
-                  </a:schemeClr>
-                </a:solidFill>
-              </a:rPr>
-              <a:t>shì</a:t>
-            </a:r>
-            <a:r>
-              <a:rPr lang="en-US" sz="4400" dirty="0">
-                <a:solidFill>
-                  <a:schemeClr val="accent4">
-                    <a:lumMod val="50000"/>
-                  </a:schemeClr>
-                </a:solidFill>
-              </a:rPr>
-              <a:t> </a:t>
-            </a:r>
-            <a:r>
-              <a:rPr lang="en-US" sz="4400" dirty="0" err="1">
-                <a:solidFill>
-                  <a:schemeClr val="accent4">
-                    <a:lumMod val="50000"/>
-                  </a:schemeClr>
-                </a:solidFill>
-              </a:rPr>
-              <a:t>shèng</a:t>
-            </a:r>
-            <a:r>
-              <a:rPr lang="en-US" sz="4400" dirty="0">
-                <a:solidFill>
-                  <a:schemeClr val="accent4">
-                    <a:lumMod val="50000"/>
-                  </a:schemeClr>
-                </a:solidFill>
-              </a:rPr>
-              <a:t> </a:t>
-            </a:r>
-            <a:r>
-              <a:rPr lang="en-US" sz="4400" dirty="0" err="1">
-                <a:solidFill>
-                  <a:schemeClr val="accent4">
-                    <a:lumMod val="50000"/>
-                  </a:schemeClr>
-                </a:solidFill>
-              </a:rPr>
-              <a:t>líng</a:t>
-            </a:r>
-            <a:r>
-              <a:rPr lang="en-US" sz="4400" dirty="0">
-                <a:solidFill>
-                  <a:schemeClr val="accent4">
-                    <a:lumMod val="50000"/>
-                  </a:schemeClr>
-                </a:solidFill>
-              </a:rPr>
-              <a:t> de </a:t>
-            </a:r>
-            <a:r>
-              <a:rPr lang="en-US" sz="4400" dirty="0" err="1" smtClean="0">
-                <a:solidFill>
-                  <a:schemeClr val="accent4">
-                    <a:lumMod val="50000"/>
-                  </a:schemeClr>
-                </a:solidFill>
-              </a:rPr>
-              <a:t>guǒ</a:t>
-            </a:r>
-            <a:r>
-              <a:rPr lang="en-US" sz="4400" dirty="0" smtClean="0">
-                <a:solidFill>
-                  <a:schemeClr val="accent4">
-                    <a:lumMod val="50000"/>
-                  </a:schemeClr>
-                </a:solidFill>
-              </a:rPr>
-              <a:t>  </a:t>
-            </a:r>
-            <a:r>
-              <a:rPr lang="en-US" sz="4400" dirty="0" err="1" smtClean="0">
-                <a:solidFill>
-                  <a:schemeClr val="accent4">
-                    <a:lumMod val="50000"/>
-                  </a:schemeClr>
-                </a:solidFill>
-              </a:rPr>
-              <a:t>zi</a:t>
+                  <a:schemeClr val="bg1"/>
+                </a:solidFill>
+                <a:effectLst>
+                  <a:outerShdw blurRad="38100" dist="38100" dir="2700000" algn="tl">
+                    <a:srgbClr val="000000">
+                      <a:alpha val="43137"/>
+                    </a:srgbClr>
+                  </a:outerShdw>
+                </a:effectLst>
+              </a:rPr>
+              <a:t>gǎn</a:t>
             </a:r>
             <a:endParaRPr lang="en-US" sz="4400" dirty="0">
               <a:solidFill>
-                <a:schemeClr val="accent4">
-                  <a:lumMod val="50000"/>
-                </a:schemeClr>
+                <a:schemeClr val="bg1"/>
               </a:solidFill>
+              <a:effectLst>
+                <a:outerShdw blurRad="38100" dist="38100" dir="2700000" algn="tl">
+                  <a:srgbClr val="000000">
+                    <a:alpha val="43137"/>
+                  </a:srgbClr>
+                </a:outerShdw>
+              </a:effectLst>
+            </a:endParaRPr>
+          </a:p>
+        </p:txBody>
+      </p:sp>
+      <p:sp>
+        <p:nvSpPr>
+          <p:cNvPr id="11" name="Content Placeholder 2"/>
+          <p:cNvSpPr txBox="1">
+            <a:spLocks/>
+          </p:cNvSpPr>
+          <p:nvPr/>
+        </p:nvSpPr>
+        <p:spPr>
+          <a:xfrm>
+            <a:off x="6836141" y="2818972"/>
+            <a:ext cx="2621273" cy="2152487"/>
+          </a:xfrm>
+          <a:prstGeom prst="rect">
+            <a:avLst/>
+          </a:prstGeom>
+        </p:spPr>
+        <p:txBody>
+          <a:bodyPr vert="horz" lIns="91440" tIns="45720" rIns="91440" bIns="45720" rtlCol="0" anchor="ctr">
+            <a:normAutofit/>
+          </a:bodyPr>
+          <a:lstStyle>
+            <a:lvl1pPr marL="228600" indent="-228600" algn="l" defTabSz="914400" rtl="0" eaLnBrk="1" latinLnBrk="0" hangingPunct="1">
+              <a:lnSpc>
+                <a:spcPct val="90000"/>
+              </a:lnSpc>
+              <a:spcBef>
+                <a:spcPts val="1000"/>
+              </a:spcBef>
+              <a:buFont typeface="Arial" panose="020B0604020202020204" pitchFamily="34" charset="0"/>
+              <a:buChar char="•"/>
+              <a:defRPr sz="2800" kern="1200">
+                <a:solidFill>
+                  <a:schemeClr val="tx1"/>
+                </a:solidFill>
+                <a:latin typeface="+mn-lt"/>
+                <a:ea typeface="+mn-ea"/>
+                <a:cs typeface="+mn-cs"/>
+              </a:defRPr>
+            </a:lvl1pPr>
+            <a:lvl2pPr marL="685800" indent="-228600" algn="l" defTabSz="914400" rtl="0" eaLnBrk="1" latinLnBrk="0" hangingPunct="1">
+              <a:lnSpc>
+                <a:spcPct val="90000"/>
+              </a:lnSpc>
+              <a:spcBef>
+                <a:spcPts val="500"/>
+              </a:spcBef>
+              <a:buFont typeface="Arial" panose="020B0604020202020204" pitchFamily="34" charset="0"/>
+              <a:buChar char="•"/>
+              <a:defRPr sz="2400" kern="1200">
+                <a:solidFill>
+                  <a:schemeClr val="tx1"/>
+                </a:solidFill>
+                <a:latin typeface="+mn-lt"/>
+                <a:ea typeface="+mn-ea"/>
+                <a:cs typeface="+mn-cs"/>
+              </a:defRPr>
+            </a:lvl2pPr>
+            <a:lvl3pPr marL="1143000" indent="-228600" algn="l" defTabSz="914400" rtl="0" eaLnBrk="1" latinLnBrk="0" hangingPunct="1">
+              <a:lnSpc>
+                <a:spcPct val="90000"/>
+              </a:lnSpc>
+              <a:spcBef>
+                <a:spcPts val="500"/>
+              </a:spcBef>
+              <a:buFont typeface="Arial" panose="020B0604020202020204" pitchFamily="34" charset="0"/>
+              <a:buChar char="•"/>
+              <a:defRPr sz="2000" kern="1200">
+                <a:solidFill>
+                  <a:schemeClr val="tx1"/>
+                </a:solidFill>
+                <a:latin typeface="+mn-lt"/>
+                <a:ea typeface="+mn-ea"/>
+                <a:cs typeface="+mn-cs"/>
+              </a:defRPr>
+            </a:lvl3pPr>
+            <a:lvl4pPr marL="1600200" indent="-228600" algn="l" defTabSz="914400" rtl="0" eaLnBrk="1" latinLnBrk="0" hangingPunct="1">
+              <a:lnSpc>
+                <a:spcPct val="90000"/>
+              </a:lnSpc>
+              <a:spcBef>
+                <a:spcPts val="500"/>
+              </a:spcBef>
+              <a:buFont typeface="Arial" panose="020B0604020202020204" pitchFamily="34" charset="0"/>
+              <a:buChar char="•"/>
+              <a:defRPr sz="1800" kern="1200">
+                <a:solidFill>
+                  <a:schemeClr val="tx1"/>
+                </a:solidFill>
+                <a:latin typeface="+mn-lt"/>
+                <a:ea typeface="+mn-ea"/>
+                <a:cs typeface="+mn-cs"/>
+              </a:defRPr>
+            </a:lvl4pPr>
+            <a:lvl5pPr marL="2057400" indent="-228600" algn="l" defTabSz="914400" rtl="0" eaLnBrk="1" latinLnBrk="0" hangingPunct="1">
+              <a:lnSpc>
+                <a:spcPct val="90000"/>
+              </a:lnSpc>
+              <a:spcBef>
+                <a:spcPts val="500"/>
+              </a:spcBef>
+              <a:buFont typeface="Arial" panose="020B0604020202020204" pitchFamily="34" charset="0"/>
+              <a:buChar char="•"/>
+              <a:defRPr sz="1800" kern="1200">
+                <a:solidFill>
+                  <a:schemeClr val="tx1"/>
+                </a:solidFill>
+                <a:latin typeface="+mn-lt"/>
+                <a:ea typeface="+mn-ea"/>
+                <a:cs typeface="+mn-cs"/>
+              </a:defRPr>
+            </a:lvl5pPr>
+            <a:lvl6pPr marL="2514600" indent="-228600" algn="l" defTabSz="914400" rtl="0" eaLnBrk="1" latinLnBrk="0" hangingPunct="1">
+              <a:lnSpc>
+                <a:spcPct val="90000"/>
+              </a:lnSpc>
+              <a:spcBef>
+                <a:spcPts val="500"/>
+              </a:spcBef>
+              <a:buFont typeface="Arial" panose="020B0604020202020204" pitchFamily="34" charset="0"/>
+              <a:buChar char="•"/>
+              <a:defRPr sz="1800" kern="1200">
+                <a:solidFill>
+                  <a:schemeClr val="tx1"/>
+                </a:solidFill>
+                <a:latin typeface="+mn-lt"/>
+                <a:ea typeface="+mn-ea"/>
+                <a:cs typeface="+mn-cs"/>
+              </a:defRPr>
+            </a:lvl6pPr>
+            <a:lvl7pPr marL="2971800" indent="-228600" algn="l" defTabSz="914400" rtl="0" eaLnBrk="1" latinLnBrk="0" hangingPunct="1">
+              <a:lnSpc>
+                <a:spcPct val="90000"/>
+              </a:lnSpc>
+              <a:spcBef>
+                <a:spcPts val="500"/>
+              </a:spcBef>
+              <a:buFont typeface="Arial" panose="020B0604020202020204" pitchFamily="34" charset="0"/>
+              <a:buChar char="•"/>
+              <a:defRPr sz="1800" kern="1200">
+                <a:solidFill>
+                  <a:schemeClr val="tx1"/>
+                </a:solidFill>
+                <a:latin typeface="+mn-lt"/>
+                <a:ea typeface="+mn-ea"/>
+                <a:cs typeface="+mn-cs"/>
+              </a:defRPr>
+            </a:lvl7pPr>
+            <a:lvl8pPr marL="3429000" indent="-228600" algn="l" defTabSz="914400" rtl="0" eaLnBrk="1" latinLnBrk="0" hangingPunct="1">
+              <a:lnSpc>
+                <a:spcPct val="90000"/>
+              </a:lnSpc>
+              <a:spcBef>
+                <a:spcPts val="500"/>
+              </a:spcBef>
+              <a:buFont typeface="Arial" panose="020B0604020202020204" pitchFamily="34" charset="0"/>
+              <a:buChar char="•"/>
+              <a:defRPr sz="1800" kern="1200">
+                <a:solidFill>
+                  <a:schemeClr val="tx1"/>
+                </a:solidFill>
+                <a:latin typeface="+mn-lt"/>
+                <a:ea typeface="+mn-ea"/>
+                <a:cs typeface="+mn-cs"/>
+              </a:defRPr>
+            </a:lvl8pPr>
+            <a:lvl9pPr marL="3886200" indent="-228600" algn="l" defTabSz="914400" rtl="0" eaLnBrk="1" latinLnBrk="0" hangingPunct="1">
+              <a:lnSpc>
+                <a:spcPct val="90000"/>
+              </a:lnSpc>
+              <a:spcBef>
+                <a:spcPts val="500"/>
+              </a:spcBef>
+              <a:buFont typeface="Arial" panose="020B0604020202020204" pitchFamily="34" charset="0"/>
+              <a:buChar char="•"/>
+              <a:defRPr sz="1800" kern="1200">
+                <a:solidFill>
+                  <a:schemeClr val="tx1"/>
+                </a:solidFill>
+                <a:latin typeface="+mn-lt"/>
+                <a:ea typeface="+mn-ea"/>
+                <a:cs typeface="+mn-cs"/>
+              </a:defRPr>
+            </a:lvl9pPr>
+          </a:lstStyle>
+          <a:p>
+            <a:pPr marL="0" indent="0" algn="ctr">
+              <a:buNone/>
+            </a:pPr>
+            <a:r>
+              <a:rPr lang="zh-CN" altLang="en-US" sz="7200" dirty="0">
+                <a:solidFill>
+                  <a:schemeClr val="bg1"/>
+                </a:solidFill>
+                <a:effectLst>
+                  <a:outerShdw blurRad="38100" dist="38100" dir="2700000" algn="tl">
+                    <a:srgbClr val="000000">
+                      <a:alpha val="43137"/>
+                    </a:srgbClr>
+                  </a:outerShdw>
+                </a:effectLst>
+                <a:latin typeface="DFKai-SB" panose="03000509000000000000" pitchFamily="65" charset="-120"/>
+                <a:ea typeface="DFKai-SB" panose="03000509000000000000" pitchFamily="65" charset="-120"/>
+              </a:rPr>
+              <a:t>站穩</a:t>
+            </a:r>
+            <a:endParaRPr lang="en-US" altLang="zh-CN" sz="7200" dirty="0">
+              <a:solidFill>
+                <a:schemeClr val="bg1"/>
+              </a:solidFill>
+              <a:effectLst>
+                <a:outerShdw blurRad="38100" dist="38100" dir="2700000" algn="tl">
+                  <a:srgbClr val="000000">
+                    <a:alpha val="43137"/>
+                  </a:srgbClr>
+                </a:outerShdw>
+              </a:effectLst>
+              <a:latin typeface="DFKai-SB" panose="03000509000000000000" pitchFamily="65" charset="-120"/>
+              <a:ea typeface="DFKai-SB" panose="03000509000000000000" pitchFamily="65" charset="-120"/>
+            </a:endParaRPr>
+          </a:p>
+          <a:p>
+            <a:pPr marL="0" indent="0" algn="ctr">
+              <a:buNone/>
+            </a:pPr>
+            <a:r>
+              <a:rPr lang="en-US" sz="4400" dirty="0" err="1">
+                <a:solidFill>
+                  <a:schemeClr val="bg1"/>
+                </a:solidFill>
+                <a:effectLst>
+                  <a:outerShdw blurRad="38100" dist="38100" dir="2700000" algn="tl">
+                    <a:srgbClr val="000000">
+                      <a:alpha val="43137"/>
+                    </a:srgbClr>
+                  </a:outerShdw>
+                </a:effectLst>
+              </a:rPr>
+              <a:t>zhàn</a:t>
+            </a:r>
+            <a:r>
+              <a:rPr lang="en-US" sz="4400" dirty="0">
+                <a:solidFill>
+                  <a:schemeClr val="bg1"/>
+                </a:solidFill>
+                <a:effectLst>
+                  <a:outerShdw blurRad="38100" dist="38100" dir="2700000" algn="tl">
+                    <a:srgbClr val="000000">
+                      <a:alpha val="43137"/>
+                    </a:srgbClr>
+                  </a:outerShdw>
+                </a:effectLst>
+              </a:rPr>
+              <a:t> </a:t>
+            </a:r>
+            <a:r>
+              <a:rPr lang="en-US" sz="4400" dirty="0" err="1">
+                <a:solidFill>
+                  <a:schemeClr val="bg1"/>
+                </a:solidFill>
+                <a:effectLst>
+                  <a:outerShdw blurRad="38100" dist="38100" dir="2700000" algn="tl">
+                    <a:srgbClr val="000000">
+                      <a:alpha val="43137"/>
+                    </a:srgbClr>
+                  </a:outerShdw>
+                </a:effectLst>
+              </a:rPr>
+              <a:t>wěn</a:t>
+            </a:r>
+            <a:endParaRPr lang="en-US" sz="4400" dirty="0">
+              <a:solidFill>
+                <a:schemeClr val="bg1"/>
+              </a:solidFill>
+              <a:effectLst>
+                <a:outerShdw blurRad="38100" dist="38100" dir="2700000" algn="tl">
+                  <a:srgbClr val="000000">
+                    <a:alpha val="43137"/>
+                  </a:srgbClr>
+                </a:outerShdw>
+              </a:effectLst>
             </a:endParaRPr>
           </a:p>
         </p:txBody>
@@ -6632,7 +6875,7 @@
     </p:spTree>
     <p:extLst>
       <p:ext uri="{BB962C8B-B14F-4D97-AF65-F5344CB8AC3E}">
-        <p14:creationId xmlns:p14="http://schemas.microsoft.com/office/powerpoint/2010/main" val="3277621657"/>
+        <p14:creationId xmlns="" xmlns:p14="http://schemas.microsoft.com/office/powerpoint/2010/main" val="3466550435"/>
       </p:ext>
     </p:extLst>
   </p:cSld>
@@ -6685,966 +6928,751 @@
         </p:nvSpPr>
         <p:spPr>
           <a:xfrm>
-            <a:off x="2636536" y="543574"/>
-            <a:ext cx="2621273" cy="2152487"/>
+            <a:off x="687370" y="402176"/>
+            <a:ext cx="10973587" cy="6083465"/>
           </a:xfrm>
         </p:spPr>
         <p:txBody>
-          <a:bodyPr anchor="ctr">
-            <a:normAutofit/>
+          <a:bodyPr>
+            <a:normAutofit fontScale="92500" lnSpcReduction="10000"/>
           </a:bodyPr>
           <a:lstStyle/>
           <a:p>
-            <a:pPr marL="0" indent="0" algn="ctr">
+            <a:pPr marL="0" indent="0">
               <a:buNone/>
             </a:pPr>
             <a:r>
-              <a:rPr lang="zh-CN" altLang="en-US" sz="7200" dirty="0" smtClean="0">
-                <a:solidFill>
-                  <a:schemeClr val="bg1"/>
-                </a:solidFill>
-                <a:effectLst>
-                  <a:outerShdw blurRad="38100" dist="38100" dir="2700000" algn="tl">
-                    <a:srgbClr val="000000">
-                      <a:alpha val="43137"/>
-                    </a:srgbClr>
-                  </a:outerShdw>
-                </a:effectLst>
-                <a:latin typeface="DFKai-SB" panose="03000509000000000000" pitchFamily="65" charset="-120"/>
-                <a:ea typeface="DFKai-SB" panose="03000509000000000000" pitchFamily="65" charset="-120"/>
-              </a:rPr>
-              <a:t>安慰</a:t>
-            </a:r>
-            <a:endParaRPr lang="en-US" altLang="zh-CN" sz="7200" dirty="0" smtClean="0">
+              <a:rPr lang="zh-TW" altLang="en-US" sz="6000" dirty="0" smtClean="0">
+                <a:solidFill>
+                  <a:schemeClr val="accent6">
+                    <a:lumMod val="50000"/>
+                  </a:schemeClr>
+                </a:solidFill>
+                <a:latin typeface="DengXian" panose="02010600030101010101" pitchFamily="2" charset="-122"/>
+                <a:ea typeface="DengXian" panose="02010600030101010101" pitchFamily="2" charset="-122"/>
+              </a:rPr>
+              <a:t>仁 愛 喜 樂 和 平</a:t>
+            </a:r>
+            <a:endParaRPr lang="en-US" altLang="zh-TW" sz="5400" dirty="0" smtClean="0">
               <a:solidFill>
-                <a:schemeClr val="bg1"/>
+                <a:schemeClr val="accent6">
+                  <a:lumMod val="50000"/>
+                </a:schemeClr>
               </a:solidFill>
-              <a:effectLst>
-                <a:outerShdw blurRad="38100" dist="38100" dir="2700000" algn="tl">
-                  <a:srgbClr val="000000">
-                    <a:alpha val="43137"/>
-                  </a:srgbClr>
-                </a:outerShdw>
-              </a:effectLst>
-              <a:latin typeface="DFKai-SB" panose="03000509000000000000" pitchFamily="65" charset="-120"/>
-              <a:ea typeface="DFKai-SB" panose="03000509000000000000" pitchFamily="65" charset="-120"/>
+              <a:latin typeface="DengXian" panose="02010600030101010101" pitchFamily="2" charset="-122"/>
+              <a:ea typeface="DengXian" panose="02010600030101010101" pitchFamily="2" charset="-122"/>
             </a:endParaRPr>
           </a:p>
           <a:p>
-            <a:pPr marL="0" indent="0" algn="ctr">
+            <a:pPr marL="0" indent="0">
               <a:buNone/>
             </a:pPr>
             <a:r>
+              <a:rPr lang="en-US" sz="4400" dirty="0" err="1">
+                <a:solidFill>
+                  <a:schemeClr val="accent4">
+                    <a:lumMod val="50000"/>
+                  </a:schemeClr>
+                </a:solidFill>
+              </a:rPr>
+              <a:t>r</a:t>
+            </a:r>
+            <a:r>
               <a:rPr lang="en-US" sz="4400" dirty="0" err="1" smtClean="0">
                 <a:solidFill>
-                  <a:schemeClr val="bg1"/>
-                </a:solidFill>
-                <a:effectLst>
-                  <a:outerShdw blurRad="38100" dist="38100" dir="2700000" algn="tl">
-                    <a:srgbClr val="000000">
-                      <a:alpha val="43137"/>
-                    </a:srgbClr>
-                  </a:outerShdw>
-                </a:effectLst>
-              </a:rPr>
-              <a:t>ān</a:t>
+                  <a:schemeClr val="accent4">
+                    <a:lumMod val="50000"/>
+                  </a:schemeClr>
+                </a:solidFill>
+              </a:rPr>
+              <a:t>én</a:t>
             </a:r>
             <a:r>
               <a:rPr lang="en-US" sz="4400" dirty="0" smtClean="0">
                 <a:solidFill>
-                  <a:schemeClr val="bg1"/>
-                </a:solidFill>
-                <a:effectLst>
-                  <a:outerShdw blurRad="38100" dist="38100" dir="2700000" algn="tl">
-                    <a:srgbClr val="000000">
-                      <a:alpha val="43137"/>
-                    </a:srgbClr>
-                  </a:outerShdw>
-                </a:effectLst>
+                  <a:schemeClr val="accent4">
+                    <a:lumMod val="50000"/>
+                  </a:schemeClr>
+                </a:solidFill>
+              </a:rPr>
+              <a:t>   </a:t>
+            </a:r>
+            <a:r>
+              <a:rPr lang="en-US" sz="4400" dirty="0" err="1" smtClean="0">
+                <a:solidFill>
+                  <a:schemeClr val="accent4">
+                    <a:lumMod val="50000"/>
+                  </a:schemeClr>
+                </a:solidFill>
+              </a:rPr>
+              <a:t>ài</a:t>
+            </a:r>
+            <a:r>
+              <a:rPr lang="en-US" sz="4400" dirty="0" smtClean="0">
+                <a:solidFill>
+                  <a:schemeClr val="accent4">
+                    <a:lumMod val="50000"/>
+                  </a:schemeClr>
+                </a:solidFill>
+              </a:rPr>
+              <a:t>     </a:t>
+            </a:r>
+            <a:r>
+              <a:rPr lang="en-US" sz="4400" dirty="0" err="1" smtClean="0">
+                <a:solidFill>
+                  <a:schemeClr val="accent4">
+                    <a:lumMod val="50000"/>
+                  </a:schemeClr>
+                </a:solidFill>
+              </a:rPr>
+              <a:t>xǐ</a:t>
+            </a:r>
+            <a:r>
+              <a:rPr lang="en-US" sz="4400" dirty="0" smtClean="0">
+                <a:solidFill>
+                  <a:schemeClr val="accent4">
+                    <a:lumMod val="50000"/>
+                  </a:schemeClr>
+                </a:solidFill>
+              </a:rPr>
+              <a:t>    </a:t>
+            </a:r>
+            <a:r>
+              <a:rPr lang="en-US" sz="4400" dirty="0" err="1" smtClean="0">
+                <a:solidFill>
+                  <a:schemeClr val="accent4">
+                    <a:lumMod val="50000"/>
+                  </a:schemeClr>
+                </a:solidFill>
+              </a:rPr>
+              <a:t>lè</a:t>
+            </a:r>
+            <a:r>
+              <a:rPr lang="en-US" sz="4400" dirty="0" smtClean="0">
+                <a:solidFill>
+                  <a:schemeClr val="accent4">
+                    <a:lumMod val="50000"/>
+                  </a:schemeClr>
+                </a:solidFill>
+              </a:rPr>
+              <a:t>     </a:t>
+            </a:r>
+            <a:r>
+              <a:rPr lang="en-US" sz="4400" dirty="0" err="1" smtClean="0">
+                <a:solidFill>
+                  <a:schemeClr val="accent4">
+                    <a:lumMod val="50000"/>
+                  </a:schemeClr>
+                </a:solidFill>
+              </a:rPr>
+              <a:t>hé</a:t>
+            </a:r>
+            <a:r>
+              <a:rPr lang="en-US" sz="4400" dirty="0" smtClean="0">
+                <a:solidFill>
+                  <a:schemeClr val="accent4">
+                    <a:lumMod val="50000"/>
+                  </a:schemeClr>
+                </a:solidFill>
               </a:rPr>
               <a:t> </a:t>
             </a:r>
             <a:r>
               <a:rPr lang="en-US" sz="4400" dirty="0" err="1" smtClean="0">
                 <a:solidFill>
-                  <a:schemeClr val="bg1"/>
-                </a:solidFill>
-                <a:effectLst>
-                  <a:outerShdw blurRad="38100" dist="38100" dir="2700000" algn="tl">
-                    <a:srgbClr val="000000">
-                      <a:alpha val="43137"/>
-                    </a:srgbClr>
-                  </a:outerShdw>
-                </a:effectLst>
-              </a:rPr>
-              <a:t>wèi</a:t>
+                  <a:schemeClr val="accent4">
+                    <a:lumMod val="50000"/>
+                  </a:schemeClr>
+                </a:solidFill>
+              </a:rPr>
+              <a:t>píng</a:t>
+            </a:r>
+            <a:endParaRPr lang="en-US" sz="4400" dirty="0" smtClean="0">
+              <a:solidFill>
+                <a:schemeClr val="accent4">
+                  <a:lumMod val="50000"/>
+                </a:schemeClr>
+              </a:solidFill>
+            </a:endParaRPr>
+          </a:p>
+          <a:p>
+            <a:pPr marL="0" indent="0">
+              <a:buNone/>
+            </a:pPr>
+            <a:r>
+              <a:rPr lang="en-US" altLang="zh-CN" sz="6000" dirty="0" smtClean="0">
+                <a:solidFill>
+                  <a:schemeClr val="accent6">
+                    <a:lumMod val="50000"/>
+                  </a:schemeClr>
+                </a:solidFill>
+                <a:latin typeface="DengXian" panose="02010600030101010101" pitchFamily="2" charset="-122"/>
+                <a:ea typeface="DengXian" panose="02010600030101010101" pitchFamily="2" charset="-122"/>
+              </a:rPr>
+              <a:t>	</a:t>
+            </a:r>
+            <a:r>
+              <a:rPr lang="zh-CN" altLang="en-US" sz="6000" dirty="0" smtClean="0">
+                <a:solidFill>
+                  <a:schemeClr val="accent6">
+                    <a:lumMod val="50000"/>
+                  </a:schemeClr>
+                </a:solidFill>
+                <a:latin typeface="DengXian" panose="02010600030101010101" pitchFamily="2" charset="-122"/>
+                <a:ea typeface="DengXian" panose="02010600030101010101" pitchFamily="2" charset="-122"/>
+              </a:rPr>
+              <a:t>忍 耐 恩 慈 良 善</a:t>
+            </a:r>
+            <a:endParaRPr lang="en-US" altLang="zh-CN" sz="6000" dirty="0">
+              <a:solidFill>
+                <a:schemeClr val="accent6">
+                  <a:lumMod val="50000"/>
+                </a:schemeClr>
+              </a:solidFill>
+              <a:latin typeface="DengXian" panose="02010600030101010101" pitchFamily="2" charset="-122"/>
+              <a:ea typeface="DengXian" panose="02010600030101010101" pitchFamily="2" charset="-122"/>
+            </a:endParaRPr>
+          </a:p>
+          <a:p>
+            <a:pPr marL="0" indent="0">
+              <a:buNone/>
+            </a:pPr>
+            <a:r>
+              <a:rPr lang="en-US" sz="4400" dirty="0" smtClean="0">
+                <a:solidFill>
+                  <a:schemeClr val="accent4">
+                    <a:lumMod val="50000"/>
+                  </a:schemeClr>
+                </a:solidFill>
+              </a:rPr>
+              <a:t>	</a:t>
+            </a:r>
+            <a:r>
+              <a:rPr lang="en-US" sz="4400" dirty="0" err="1" smtClean="0">
+                <a:solidFill>
+                  <a:schemeClr val="accent4">
+                    <a:lumMod val="50000"/>
+                  </a:schemeClr>
+                </a:solidFill>
+              </a:rPr>
+              <a:t>rěn</a:t>
+            </a:r>
+            <a:r>
+              <a:rPr lang="en-US" sz="4400" dirty="0" smtClean="0">
+                <a:solidFill>
+                  <a:schemeClr val="accent4">
+                    <a:lumMod val="50000"/>
+                  </a:schemeClr>
+                </a:solidFill>
+              </a:rPr>
+              <a:t>  </a:t>
+            </a:r>
+            <a:r>
+              <a:rPr lang="en-US" sz="4400" dirty="0" err="1" smtClean="0">
+                <a:solidFill>
+                  <a:schemeClr val="accent4">
+                    <a:lumMod val="50000"/>
+                  </a:schemeClr>
+                </a:solidFill>
+              </a:rPr>
+              <a:t>nài</a:t>
+            </a:r>
+            <a:r>
+              <a:rPr lang="en-US" sz="4400" dirty="0" smtClean="0">
+                <a:solidFill>
+                  <a:schemeClr val="accent4">
+                    <a:lumMod val="50000"/>
+                  </a:schemeClr>
+                </a:solidFill>
+              </a:rPr>
+              <a:t>   </a:t>
+            </a:r>
+            <a:r>
+              <a:rPr lang="en-US" sz="4400" dirty="0" err="1" smtClean="0">
+                <a:solidFill>
+                  <a:schemeClr val="accent4">
+                    <a:lumMod val="50000"/>
+                  </a:schemeClr>
+                </a:solidFill>
+              </a:rPr>
+              <a:t>ēn</a:t>
+            </a:r>
+            <a:r>
+              <a:rPr lang="en-US" sz="4400" dirty="0" smtClean="0">
+                <a:solidFill>
+                  <a:schemeClr val="accent4">
+                    <a:lumMod val="50000"/>
+                  </a:schemeClr>
+                </a:solidFill>
+              </a:rPr>
+              <a:t>   </a:t>
+            </a:r>
+            <a:r>
+              <a:rPr lang="en-US" sz="4400" dirty="0" err="1" smtClean="0">
+                <a:solidFill>
+                  <a:schemeClr val="accent4">
+                    <a:lumMod val="50000"/>
+                  </a:schemeClr>
+                </a:solidFill>
+              </a:rPr>
+              <a:t>cí</a:t>
+            </a:r>
+            <a:r>
+              <a:rPr lang="en-US" sz="4400" dirty="0" smtClean="0">
+                <a:solidFill>
+                  <a:schemeClr val="accent4">
+                    <a:lumMod val="50000"/>
+                  </a:schemeClr>
+                </a:solidFill>
+              </a:rPr>
+              <a:t>   </a:t>
+            </a:r>
+            <a:r>
+              <a:rPr lang="en-US" sz="4400" dirty="0" err="1" smtClean="0">
+                <a:solidFill>
+                  <a:schemeClr val="accent4">
+                    <a:lumMod val="50000"/>
+                  </a:schemeClr>
+                </a:solidFill>
+              </a:rPr>
+              <a:t>liáng</a:t>
+            </a:r>
+            <a:r>
+              <a:rPr lang="en-US" sz="4400" dirty="0" smtClean="0">
+                <a:solidFill>
+                  <a:schemeClr val="accent4">
+                    <a:lumMod val="50000"/>
+                  </a:schemeClr>
+                </a:solidFill>
+              </a:rPr>
+              <a:t> </a:t>
+            </a:r>
+            <a:r>
+              <a:rPr lang="en-US" sz="4400" dirty="0" err="1">
+                <a:solidFill>
+                  <a:schemeClr val="accent4">
+                    <a:lumMod val="50000"/>
+                  </a:schemeClr>
+                </a:solidFill>
+              </a:rPr>
+              <a:t>shàn</a:t>
             </a:r>
             <a:endParaRPr lang="en-US" sz="4400" dirty="0">
               <a:solidFill>
-                <a:schemeClr val="bg1"/>
+                <a:schemeClr val="accent4">
+                  <a:lumMod val="50000"/>
+                </a:schemeClr>
               </a:solidFill>
-              <a:effectLst>
-                <a:outerShdw blurRad="38100" dist="38100" dir="2700000" algn="tl">
-                  <a:srgbClr val="000000">
-                    <a:alpha val="43137"/>
-                  </a:srgbClr>
-                </a:outerShdw>
-              </a:effectLst>
             </a:endParaRPr>
           </a:p>
-        </p:txBody>
-      </p:sp>
-      <p:sp>
-        <p:nvSpPr>
-          <p:cNvPr id="9" name="Content Placeholder 2"/>
-          <p:cNvSpPr txBox="1">
-            <a:spLocks/>
-          </p:cNvSpPr>
-          <p:nvPr/>
-        </p:nvSpPr>
-        <p:spPr>
-          <a:xfrm>
-            <a:off x="6836142" y="543574"/>
-            <a:ext cx="2621273" cy="2152487"/>
-          </a:xfrm>
-          <a:prstGeom prst="rect">
-            <a:avLst/>
-          </a:prstGeom>
-        </p:spPr>
-        <p:txBody>
-          <a:bodyPr vert="horz" lIns="91440" tIns="45720" rIns="91440" bIns="45720" rtlCol="0" anchor="ctr">
-            <a:normAutofit/>
-          </a:bodyPr>
-          <a:lstStyle>
-            <a:lvl1pPr marL="228600" indent="-228600" algn="l" defTabSz="914400" rtl="0" eaLnBrk="1" latinLnBrk="0" hangingPunct="1">
-              <a:lnSpc>
-                <a:spcPct val="90000"/>
-              </a:lnSpc>
-              <a:spcBef>
-                <a:spcPts val="1000"/>
-              </a:spcBef>
-              <a:buFont typeface="Arial" panose="020B0604020202020204" pitchFamily="34" charset="0"/>
-              <a:buChar char="•"/>
-              <a:defRPr sz="2800" kern="1200">
-                <a:solidFill>
-                  <a:schemeClr val="tx1"/>
-                </a:solidFill>
-                <a:latin typeface="+mn-lt"/>
-                <a:ea typeface="+mn-ea"/>
-                <a:cs typeface="+mn-cs"/>
-              </a:defRPr>
-            </a:lvl1pPr>
-            <a:lvl2pPr marL="685800" indent="-228600" algn="l" defTabSz="914400" rtl="0" eaLnBrk="1" latinLnBrk="0" hangingPunct="1">
-              <a:lnSpc>
-                <a:spcPct val="90000"/>
-              </a:lnSpc>
-              <a:spcBef>
-                <a:spcPts val="500"/>
-              </a:spcBef>
-              <a:buFont typeface="Arial" panose="020B0604020202020204" pitchFamily="34" charset="0"/>
-              <a:buChar char="•"/>
-              <a:defRPr sz="2400" kern="1200">
-                <a:solidFill>
-                  <a:schemeClr val="tx1"/>
-                </a:solidFill>
-                <a:latin typeface="+mn-lt"/>
-                <a:ea typeface="+mn-ea"/>
-                <a:cs typeface="+mn-cs"/>
-              </a:defRPr>
-            </a:lvl2pPr>
-            <a:lvl3pPr marL="1143000" indent="-228600" algn="l" defTabSz="914400" rtl="0" eaLnBrk="1" latinLnBrk="0" hangingPunct="1">
-              <a:lnSpc>
-                <a:spcPct val="90000"/>
-              </a:lnSpc>
-              <a:spcBef>
-                <a:spcPts val="500"/>
-              </a:spcBef>
-              <a:buFont typeface="Arial" panose="020B0604020202020204" pitchFamily="34" charset="0"/>
-              <a:buChar char="•"/>
-              <a:defRPr sz="2000" kern="1200">
-                <a:solidFill>
-                  <a:schemeClr val="tx1"/>
-                </a:solidFill>
-                <a:latin typeface="+mn-lt"/>
-                <a:ea typeface="+mn-ea"/>
-                <a:cs typeface="+mn-cs"/>
-              </a:defRPr>
-            </a:lvl3pPr>
-            <a:lvl4pPr marL="1600200" indent="-228600" algn="l" defTabSz="914400" rtl="0" eaLnBrk="1" latinLnBrk="0" hangingPunct="1">
-              <a:lnSpc>
-                <a:spcPct val="90000"/>
-              </a:lnSpc>
-              <a:spcBef>
-                <a:spcPts val="500"/>
-              </a:spcBef>
-              <a:buFont typeface="Arial" panose="020B0604020202020204" pitchFamily="34" charset="0"/>
-              <a:buChar char="•"/>
-              <a:defRPr sz="1800" kern="1200">
-                <a:solidFill>
-                  <a:schemeClr val="tx1"/>
-                </a:solidFill>
-                <a:latin typeface="+mn-lt"/>
-                <a:ea typeface="+mn-ea"/>
-                <a:cs typeface="+mn-cs"/>
-              </a:defRPr>
-            </a:lvl4pPr>
-            <a:lvl5pPr marL="2057400" indent="-228600" algn="l" defTabSz="914400" rtl="0" eaLnBrk="1" latinLnBrk="0" hangingPunct="1">
-              <a:lnSpc>
-                <a:spcPct val="90000"/>
-              </a:lnSpc>
-              <a:spcBef>
-                <a:spcPts val="500"/>
-              </a:spcBef>
-              <a:buFont typeface="Arial" panose="020B0604020202020204" pitchFamily="34" charset="0"/>
-              <a:buChar char="•"/>
-              <a:defRPr sz="1800" kern="1200">
-                <a:solidFill>
-                  <a:schemeClr val="tx1"/>
-                </a:solidFill>
-                <a:latin typeface="+mn-lt"/>
-                <a:ea typeface="+mn-ea"/>
-                <a:cs typeface="+mn-cs"/>
-              </a:defRPr>
-            </a:lvl5pPr>
-            <a:lvl6pPr marL="2514600" indent="-228600" algn="l" defTabSz="914400" rtl="0" eaLnBrk="1" latinLnBrk="0" hangingPunct="1">
-              <a:lnSpc>
-                <a:spcPct val="90000"/>
-              </a:lnSpc>
-              <a:spcBef>
-                <a:spcPts val="500"/>
-              </a:spcBef>
-              <a:buFont typeface="Arial" panose="020B0604020202020204" pitchFamily="34" charset="0"/>
-              <a:buChar char="•"/>
-              <a:defRPr sz="1800" kern="1200">
-                <a:solidFill>
-                  <a:schemeClr val="tx1"/>
-                </a:solidFill>
-                <a:latin typeface="+mn-lt"/>
-                <a:ea typeface="+mn-ea"/>
-                <a:cs typeface="+mn-cs"/>
-              </a:defRPr>
-            </a:lvl6pPr>
-            <a:lvl7pPr marL="2971800" indent="-228600" algn="l" defTabSz="914400" rtl="0" eaLnBrk="1" latinLnBrk="0" hangingPunct="1">
-              <a:lnSpc>
-                <a:spcPct val="90000"/>
-              </a:lnSpc>
-              <a:spcBef>
-                <a:spcPts val="500"/>
-              </a:spcBef>
-              <a:buFont typeface="Arial" panose="020B0604020202020204" pitchFamily="34" charset="0"/>
-              <a:buChar char="•"/>
-              <a:defRPr sz="1800" kern="1200">
-                <a:solidFill>
-                  <a:schemeClr val="tx1"/>
-                </a:solidFill>
-                <a:latin typeface="+mn-lt"/>
-                <a:ea typeface="+mn-ea"/>
-                <a:cs typeface="+mn-cs"/>
-              </a:defRPr>
-            </a:lvl7pPr>
-            <a:lvl8pPr marL="3429000" indent="-228600" algn="l" defTabSz="914400" rtl="0" eaLnBrk="1" latinLnBrk="0" hangingPunct="1">
-              <a:lnSpc>
-                <a:spcPct val="90000"/>
-              </a:lnSpc>
-              <a:spcBef>
-                <a:spcPts val="500"/>
-              </a:spcBef>
-              <a:buFont typeface="Arial" panose="020B0604020202020204" pitchFamily="34" charset="0"/>
-              <a:buChar char="•"/>
-              <a:defRPr sz="1800" kern="1200">
-                <a:solidFill>
-                  <a:schemeClr val="tx1"/>
-                </a:solidFill>
-                <a:latin typeface="+mn-lt"/>
-                <a:ea typeface="+mn-ea"/>
-                <a:cs typeface="+mn-cs"/>
-              </a:defRPr>
-            </a:lvl8pPr>
-            <a:lvl9pPr marL="3886200" indent="-228600" algn="l" defTabSz="914400" rtl="0" eaLnBrk="1" latinLnBrk="0" hangingPunct="1">
-              <a:lnSpc>
-                <a:spcPct val="90000"/>
-              </a:lnSpc>
-              <a:spcBef>
-                <a:spcPts val="500"/>
-              </a:spcBef>
-              <a:buFont typeface="Arial" panose="020B0604020202020204" pitchFamily="34" charset="0"/>
-              <a:buChar char="•"/>
-              <a:defRPr sz="1800" kern="1200">
-                <a:solidFill>
-                  <a:schemeClr val="tx1"/>
-                </a:solidFill>
-                <a:latin typeface="+mn-lt"/>
-                <a:ea typeface="+mn-ea"/>
-                <a:cs typeface="+mn-cs"/>
-              </a:defRPr>
-            </a:lvl9pPr>
-          </a:lstStyle>
-          <a:p>
-            <a:pPr marL="0" indent="0" algn="ctr">
+          <a:p>
+            <a:pPr marL="0" indent="0">
               <a:buNone/>
             </a:pPr>
             <a:r>
-              <a:rPr lang="zh-CN" altLang="en-US" sz="7200" dirty="0" smtClean="0">
-                <a:solidFill>
-                  <a:schemeClr val="bg1"/>
-                </a:solidFill>
-                <a:effectLst>
-                  <a:outerShdw blurRad="38100" dist="38100" dir="2700000" algn="tl">
-                    <a:srgbClr val="000000">
-                      <a:alpha val="43137"/>
-                    </a:srgbClr>
-                  </a:outerShdw>
-                </a:effectLst>
-                <a:latin typeface="DFKai-SB" panose="03000509000000000000" pitchFamily="65" charset="-120"/>
-                <a:ea typeface="DFKai-SB" panose="03000509000000000000" pitchFamily="65" charset="-120"/>
-              </a:rPr>
-              <a:t>教導</a:t>
-            </a:r>
-            <a:endParaRPr lang="en-US" altLang="zh-CN" sz="7200" dirty="0" smtClean="0">
+              <a:rPr lang="en-US" altLang="zh-TW" sz="6100" dirty="0" smtClean="0">
+                <a:solidFill>
+                  <a:schemeClr val="accent6">
+                    <a:lumMod val="50000"/>
+                  </a:schemeClr>
+                </a:solidFill>
+                <a:latin typeface="DengXian" panose="02010600030101010101" pitchFamily="2" charset="-122"/>
+                <a:ea typeface="DengXian" panose="02010600030101010101" pitchFamily="2" charset="-122"/>
+              </a:rPr>
+              <a:t>		</a:t>
+            </a:r>
+            <a:r>
+              <a:rPr lang="zh-TW" altLang="en-US" sz="6100" dirty="0" smtClean="0">
+                <a:solidFill>
+                  <a:schemeClr val="accent6">
+                    <a:lumMod val="50000"/>
+                  </a:schemeClr>
+                </a:solidFill>
+                <a:latin typeface="DengXian" panose="02010600030101010101" pitchFamily="2" charset="-122"/>
+                <a:ea typeface="DengXian" panose="02010600030101010101" pitchFamily="2" charset="-122"/>
+              </a:rPr>
+              <a:t>信 實 溫 柔 和 節 制</a:t>
+            </a:r>
+            <a:endParaRPr lang="en-US" altLang="zh-TW" sz="6100" dirty="0">
               <a:solidFill>
-                <a:schemeClr val="bg1"/>
+                <a:schemeClr val="accent6">
+                  <a:lumMod val="50000"/>
+                </a:schemeClr>
               </a:solidFill>
-              <a:effectLst>
-                <a:outerShdw blurRad="38100" dist="38100" dir="2700000" algn="tl">
-                  <a:srgbClr val="000000">
-                    <a:alpha val="43137"/>
-                  </a:srgbClr>
-                </a:outerShdw>
-              </a:effectLst>
-              <a:latin typeface="DFKai-SB" panose="03000509000000000000" pitchFamily="65" charset="-120"/>
-              <a:ea typeface="DFKai-SB" panose="03000509000000000000" pitchFamily="65" charset="-120"/>
+              <a:latin typeface="DengXian" panose="02010600030101010101" pitchFamily="2" charset="-122"/>
+              <a:ea typeface="DengXian" panose="02010600030101010101" pitchFamily="2" charset="-122"/>
             </a:endParaRPr>
           </a:p>
           <a:p>
-            <a:pPr marL="0" indent="0" algn="ctr">
+            <a:pPr marL="0" indent="0">
               <a:buNone/>
             </a:pPr>
             <a:r>
+              <a:rPr lang="en-US" sz="4400" dirty="0" smtClean="0">
+                <a:solidFill>
+                  <a:schemeClr val="accent4">
+                    <a:lumMod val="50000"/>
+                  </a:schemeClr>
+                </a:solidFill>
+              </a:rPr>
+              <a:t>		</a:t>
+            </a:r>
+            <a:r>
+              <a:rPr lang="en-US" sz="4400" dirty="0" err="1" smtClean="0">
+                <a:solidFill>
+                  <a:schemeClr val="accent4">
+                    <a:lumMod val="50000"/>
+                  </a:schemeClr>
+                </a:solidFill>
+              </a:rPr>
+              <a:t>xìn</a:t>
+            </a:r>
+            <a:r>
+              <a:rPr lang="en-US" sz="4400" dirty="0" smtClean="0">
+                <a:solidFill>
+                  <a:schemeClr val="accent4">
+                    <a:lumMod val="50000"/>
+                  </a:schemeClr>
+                </a:solidFill>
+              </a:rPr>
+              <a:t>  </a:t>
+            </a:r>
+            <a:r>
+              <a:rPr lang="en-US" sz="4400" dirty="0" err="1" smtClean="0">
+                <a:solidFill>
+                  <a:schemeClr val="accent4">
+                    <a:lumMod val="50000"/>
+                  </a:schemeClr>
+                </a:solidFill>
+              </a:rPr>
+              <a:t>shí</a:t>
+            </a:r>
+            <a:r>
+              <a:rPr lang="en-US" sz="4400" dirty="0" smtClean="0">
+                <a:solidFill>
+                  <a:schemeClr val="accent4">
+                    <a:lumMod val="50000"/>
+                  </a:schemeClr>
+                </a:solidFill>
+              </a:rPr>
+              <a:t>  </a:t>
+            </a:r>
+            <a:r>
+              <a:rPr lang="en-US" sz="4400" dirty="0" err="1" smtClean="0">
+                <a:solidFill>
+                  <a:schemeClr val="accent4">
+                    <a:lumMod val="50000"/>
+                  </a:schemeClr>
+                </a:solidFill>
+              </a:rPr>
+              <a:t>wēn</a:t>
+            </a:r>
+            <a:r>
+              <a:rPr lang="en-US" sz="4400" dirty="0" smtClean="0">
+                <a:solidFill>
+                  <a:schemeClr val="accent4">
+                    <a:lumMod val="50000"/>
+                  </a:schemeClr>
+                </a:solidFill>
+              </a:rPr>
+              <a:t> </a:t>
+            </a:r>
+            <a:r>
               <a:rPr lang="en-US" sz="4400" dirty="0" err="1">
                 <a:solidFill>
-                  <a:schemeClr val="bg1"/>
-                </a:solidFill>
-                <a:effectLst>
-                  <a:outerShdw blurRad="38100" dist="38100" dir="2700000" algn="tl">
-                    <a:srgbClr val="000000">
-                      <a:alpha val="43137"/>
-                    </a:srgbClr>
-                  </a:outerShdw>
-                </a:effectLst>
-              </a:rPr>
-              <a:t>jiào</a:t>
+                  <a:schemeClr val="accent4">
+                    <a:lumMod val="50000"/>
+                  </a:schemeClr>
+                </a:solidFill>
+              </a:rPr>
+              <a:t>róu</a:t>
             </a:r>
             <a:r>
               <a:rPr lang="en-US" sz="4400" dirty="0">
                 <a:solidFill>
-                  <a:schemeClr val="bg1"/>
-                </a:solidFill>
-                <a:effectLst>
-                  <a:outerShdw blurRad="38100" dist="38100" dir="2700000" algn="tl">
-                    <a:srgbClr val="000000">
-                      <a:alpha val="43137"/>
-                    </a:srgbClr>
-                  </a:outerShdw>
-                </a:effectLst>
+                  <a:schemeClr val="accent4">
+                    <a:lumMod val="50000"/>
+                  </a:schemeClr>
+                </a:solidFill>
               </a:rPr>
               <a:t> </a:t>
             </a:r>
             <a:r>
-              <a:rPr lang="en-US" sz="4400" dirty="0" err="1">
-                <a:solidFill>
-                  <a:schemeClr val="bg1"/>
-                </a:solidFill>
-                <a:effectLst>
-                  <a:outerShdw blurRad="38100" dist="38100" dir="2700000" algn="tl">
-                    <a:srgbClr val="000000">
-                      <a:alpha val="43137"/>
-                    </a:srgbClr>
-                  </a:outerShdw>
-                </a:effectLst>
-              </a:rPr>
-              <a:t>dǎo</a:t>
+              <a:rPr lang="en-US" sz="4400" dirty="0" smtClean="0">
+                <a:solidFill>
+                  <a:schemeClr val="accent4">
+                    <a:lumMod val="50000"/>
+                  </a:schemeClr>
+                </a:solidFill>
+              </a:rPr>
+              <a:t>  </a:t>
+            </a:r>
+            <a:r>
+              <a:rPr lang="en-US" sz="4400" dirty="0" err="1" smtClean="0">
+                <a:solidFill>
+                  <a:schemeClr val="accent4">
+                    <a:lumMod val="50000"/>
+                  </a:schemeClr>
+                </a:solidFill>
+              </a:rPr>
+              <a:t>hé</a:t>
+            </a:r>
+            <a:r>
+              <a:rPr lang="en-US" sz="4400" dirty="0" smtClean="0">
+                <a:solidFill>
+                  <a:schemeClr val="accent4">
+                    <a:lumMod val="50000"/>
+                  </a:schemeClr>
+                </a:solidFill>
+              </a:rPr>
+              <a:t>   </a:t>
+            </a:r>
+            <a:r>
+              <a:rPr lang="en-US" sz="4400" dirty="0" err="1" smtClean="0">
+                <a:solidFill>
+                  <a:schemeClr val="accent4">
+                    <a:lumMod val="50000"/>
+                  </a:schemeClr>
+                </a:solidFill>
+              </a:rPr>
+              <a:t>jié</a:t>
+            </a:r>
+            <a:r>
+              <a:rPr lang="en-US" sz="4400" dirty="0" smtClean="0">
+                <a:solidFill>
+                  <a:schemeClr val="accent4">
+                    <a:lumMod val="50000"/>
+                  </a:schemeClr>
+                </a:solidFill>
+              </a:rPr>
+              <a:t>   </a:t>
+            </a:r>
+            <a:r>
+              <a:rPr lang="en-US" sz="4400" dirty="0" err="1" smtClean="0">
+                <a:solidFill>
+                  <a:schemeClr val="accent4">
+                    <a:lumMod val="50000"/>
+                  </a:schemeClr>
+                </a:solidFill>
+              </a:rPr>
+              <a:t>zhì</a:t>
             </a:r>
             <a:endParaRPr lang="en-US" sz="4400" dirty="0">
               <a:solidFill>
-                <a:schemeClr val="bg1"/>
+                <a:schemeClr val="accent4">
+                  <a:lumMod val="50000"/>
+                </a:schemeClr>
               </a:solidFill>
-              <a:effectLst>
-                <a:outerShdw blurRad="38100" dist="38100" dir="2700000" algn="tl">
-                  <a:srgbClr val="000000">
-                    <a:alpha val="43137"/>
-                  </a:srgbClr>
-                </a:outerShdw>
-              </a:effectLst>
             </a:endParaRPr>
           </a:p>
-        </p:txBody>
-      </p:sp>
-      <p:sp>
-        <p:nvSpPr>
-          <p:cNvPr id="10" name="Content Placeholder 2"/>
-          <p:cNvSpPr txBox="1">
-            <a:spLocks/>
-          </p:cNvSpPr>
-          <p:nvPr/>
-        </p:nvSpPr>
-        <p:spPr>
-          <a:xfrm>
-            <a:off x="2636536" y="2818972"/>
-            <a:ext cx="2621273" cy="2152487"/>
-          </a:xfrm>
-          <a:prstGeom prst="rect">
-            <a:avLst/>
-          </a:prstGeom>
-        </p:spPr>
-        <p:txBody>
-          <a:bodyPr vert="horz" lIns="91440" tIns="45720" rIns="91440" bIns="45720" rtlCol="0" anchor="ctr">
-            <a:normAutofit/>
-          </a:bodyPr>
-          <a:lstStyle>
-            <a:lvl1pPr marL="228600" indent="-228600" algn="l" defTabSz="914400" rtl="0" eaLnBrk="1" latinLnBrk="0" hangingPunct="1">
-              <a:lnSpc>
-                <a:spcPct val="90000"/>
-              </a:lnSpc>
-              <a:spcBef>
-                <a:spcPts val="1000"/>
-              </a:spcBef>
-              <a:buFont typeface="Arial" panose="020B0604020202020204" pitchFamily="34" charset="0"/>
-              <a:buChar char="•"/>
-              <a:defRPr sz="2800" kern="1200">
-                <a:solidFill>
-                  <a:schemeClr val="tx1"/>
-                </a:solidFill>
-                <a:latin typeface="+mn-lt"/>
-                <a:ea typeface="+mn-ea"/>
-                <a:cs typeface="+mn-cs"/>
-              </a:defRPr>
-            </a:lvl1pPr>
-            <a:lvl2pPr marL="685800" indent="-228600" algn="l" defTabSz="914400" rtl="0" eaLnBrk="1" latinLnBrk="0" hangingPunct="1">
-              <a:lnSpc>
-                <a:spcPct val="90000"/>
-              </a:lnSpc>
-              <a:spcBef>
-                <a:spcPts val="500"/>
-              </a:spcBef>
-              <a:buFont typeface="Arial" panose="020B0604020202020204" pitchFamily="34" charset="0"/>
-              <a:buChar char="•"/>
-              <a:defRPr sz="2400" kern="1200">
-                <a:solidFill>
-                  <a:schemeClr val="tx1"/>
-                </a:solidFill>
-                <a:latin typeface="+mn-lt"/>
-                <a:ea typeface="+mn-ea"/>
-                <a:cs typeface="+mn-cs"/>
-              </a:defRPr>
-            </a:lvl2pPr>
-            <a:lvl3pPr marL="1143000" indent="-228600" algn="l" defTabSz="914400" rtl="0" eaLnBrk="1" latinLnBrk="0" hangingPunct="1">
-              <a:lnSpc>
-                <a:spcPct val="90000"/>
-              </a:lnSpc>
-              <a:spcBef>
-                <a:spcPts val="500"/>
-              </a:spcBef>
-              <a:buFont typeface="Arial" panose="020B0604020202020204" pitchFamily="34" charset="0"/>
-              <a:buChar char="•"/>
-              <a:defRPr sz="2000" kern="1200">
-                <a:solidFill>
-                  <a:schemeClr val="tx1"/>
-                </a:solidFill>
-                <a:latin typeface="+mn-lt"/>
-                <a:ea typeface="+mn-ea"/>
-                <a:cs typeface="+mn-cs"/>
-              </a:defRPr>
-            </a:lvl3pPr>
-            <a:lvl4pPr marL="1600200" indent="-228600" algn="l" defTabSz="914400" rtl="0" eaLnBrk="1" latinLnBrk="0" hangingPunct="1">
-              <a:lnSpc>
-                <a:spcPct val="90000"/>
-              </a:lnSpc>
-              <a:spcBef>
-                <a:spcPts val="500"/>
-              </a:spcBef>
-              <a:buFont typeface="Arial" panose="020B0604020202020204" pitchFamily="34" charset="0"/>
-              <a:buChar char="•"/>
-              <a:defRPr sz="1800" kern="1200">
-                <a:solidFill>
-                  <a:schemeClr val="tx1"/>
-                </a:solidFill>
-                <a:latin typeface="+mn-lt"/>
-                <a:ea typeface="+mn-ea"/>
-                <a:cs typeface="+mn-cs"/>
-              </a:defRPr>
-            </a:lvl4pPr>
-            <a:lvl5pPr marL="2057400" indent="-228600" algn="l" defTabSz="914400" rtl="0" eaLnBrk="1" latinLnBrk="0" hangingPunct="1">
-              <a:lnSpc>
-                <a:spcPct val="90000"/>
-              </a:lnSpc>
-              <a:spcBef>
-                <a:spcPts val="500"/>
-              </a:spcBef>
-              <a:buFont typeface="Arial" panose="020B0604020202020204" pitchFamily="34" charset="0"/>
-              <a:buChar char="•"/>
-              <a:defRPr sz="1800" kern="1200">
-                <a:solidFill>
-                  <a:schemeClr val="tx1"/>
-                </a:solidFill>
-                <a:latin typeface="+mn-lt"/>
-                <a:ea typeface="+mn-ea"/>
-                <a:cs typeface="+mn-cs"/>
-              </a:defRPr>
-            </a:lvl5pPr>
-            <a:lvl6pPr marL="2514600" indent="-228600" algn="l" defTabSz="914400" rtl="0" eaLnBrk="1" latinLnBrk="0" hangingPunct="1">
-              <a:lnSpc>
-                <a:spcPct val="90000"/>
-              </a:lnSpc>
-              <a:spcBef>
-                <a:spcPts val="500"/>
-              </a:spcBef>
-              <a:buFont typeface="Arial" panose="020B0604020202020204" pitchFamily="34" charset="0"/>
-              <a:buChar char="•"/>
-              <a:defRPr sz="1800" kern="1200">
-                <a:solidFill>
-                  <a:schemeClr val="tx1"/>
-                </a:solidFill>
-                <a:latin typeface="+mn-lt"/>
-                <a:ea typeface="+mn-ea"/>
-                <a:cs typeface="+mn-cs"/>
-              </a:defRPr>
-            </a:lvl6pPr>
-            <a:lvl7pPr marL="2971800" indent="-228600" algn="l" defTabSz="914400" rtl="0" eaLnBrk="1" latinLnBrk="0" hangingPunct="1">
-              <a:lnSpc>
-                <a:spcPct val="90000"/>
-              </a:lnSpc>
-              <a:spcBef>
-                <a:spcPts val="500"/>
-              </a:spcBef>
-              <a:buFont typeface="Arial" panose="020B0604020202020204" pitchFamily="34" charset="0"/>
-              <a:buChar char="•"/>
-              <a:defRPr sz="1800" kern="1200">
-                <a:solidFill>
-                  <a:schemeClr val="tx1"/>
-                </a:solidFill>
-                <a:latin typeface="+mn-lt"/>
-                <a:ea typeface="+mn-ea"/>
-                <a:cs typeface="+mn-cs"/>
-              </a:defRPr>
-            </a:lvl7pPr>
-            <a:lvl8pPr marL="3429000" indent="-228600" algn="l" defTabSz="914400" rtl="0" eaLnBrk="1" latinLnBrk="0" hangingPunct="1">
-              <a:lnSpc>
-                <a:spcPct val="90000"/>
-              </a:lnSpc>
-              <a:spcBef>
-                <a:spcPts val="500"/>
-              </a:spcBef>
-              <a:buFont typeface="Arial" panose="020B0604020202020204" pitchFamily="34" charset="0"/>
-              <a:buChar char="•"/>
-              <a:defRPr sz="1800" kern="1200">
-                <a:solidFill>
-                  <a:schemeClr val="tx1"/>
-                </a:solidFill>
-                <a:latin typeface="+mn-lt"/>
-                <a:ea typeface="+mn-ea"/>
-                <a:cs typeface="+mn-cs"/>
-              </a:defRPr>
-            </a:lvl8pPr>
-            <a:lvl9pPr marL="3886200" indent="-228600" algn="l" defTabSz="914400" rtl="0" eaLnBrk="1" latinLnBrk="0" hangingPunct="1">
-              <a:lnSpc>
-                <a:spcPct val="90000"/>
-              </a:lnSpc>
-              <a:spcBef>
-                <a:spcPts val="500"/>
-              </a:spcBef>
-              <a:buFont typeface="Arial" panose="020B0604020202020204" pitchFamily="34" charset="0"/>
-              <a:buChar char="•"/>
-              <a:defRPr sz="1800" kern="1200">
-                <a:solidFill>
-                  <a:schemeClr val="tx1"/>
-                </a:solidFill>
-                <a:latin typeface="+mn-lt"/>
-                <a:ea typeface="+mn-ea"/>
-                <a:cs typeface="+mn-cs"/>
-              </a:defRPr>
-            </a:lvl9pPr>
-          </a:lstStyle>
-          <a:p>
-            <a:pPr marL="0" indent="0" algn="ctr">
+          <a:p>
+            <a:pPr marL="0" indent="0">
               <a:buNone/>
             </a:pPr>
             <a:r>
-              <a:rPr lang="zh-CN" altLang="en-US" sz="7200" dirty="0" smtClean="0">
-                <a:solidFill>
-                  <a:schemeClr val="bg1"/>
-                </a:solidFill>
-                <a:effectLst>
-                  <a:outerShdw blurRad="38100" dist="38100" dir="2700000" algn="tl">
-                    <a:srgbClr val="000000">
-                      <a:alpha val="43137"/>
-                    </a:srgbClr>
-                  </a:outerShdw>
-                </a:effectLst>
-                <a:latin typeface="DFKai-SB" panose="03000509000000000000" pitchFamily="65" charset="-120"/>
-                <a:ea typeface="DFKai-SB" panose="03000509000000000000" pitchFamily="65" charset="-120"/>
-              </a:rPr>
-              <a:t>勇敢</a:t>
-            </a:r>
-            <a:endParaRPr lang="en-US" altLang="zh-CN" sz="7200" dirty="0" smtClean="0">
+              <a:rPr lang="en-US" altLang="zh-TW" sz="6100" dirty="0" smtClean="0">
+                <a:solidFill>
+                  <a:schemeClr val="accent6">
+                    <a:lumMod val="50000"/>
+                  </a:schemeClr>
+                </a:solidFill>
+                <a:latin typeface="DengXian" panose="02010600030101010101" pitchFamily="2" charset="-122"/>
+                <a:ea typeface="DengXian" panose="02010600030101010101" pitchFamily="2" charset="-122"/>
+              </a:rPr>
+              <a:t>		     </a:t>
+            </a:r>
+            <a:r>
+              <a:rPr lang="zh-TW" altLang="en-US" sz="6100" dirty="0" smtClean="0">
+                <a:solidFill>
+                  <a:schemeClr val="accent6">
+                    <a:lumMod val="50000"/>
+                  </a:schemeClr>
+                </a:solidFill>
+                <a:latin typeface="DengXian" panose="02010600030101010101" pitchFamily="2" charset="-122"/>
+                <a:ea typeface="DengXian" panose="02010600030101010101" pitchFamily="2" charset="-122"/>
+              </a:rPr>
+              <a:t>這 些 都 是 聖 靈 的 果 子</a:t>
+            </a:r>
+            <a:endParaRPr lang="en-US" altLang="zh-TW" sz="6100" dirty="0">
               <a:solidFill>
-                <a:schemeClr val="bg1"/>
+                <a:schemeClr val="accent6">
+                  <a:lumMod val="50000"/>
+                </a:schemeClr>
               </a:solidFill>
-              <a:effectLst>
-                <a:outerShdw blurRad="38100" dist="38100" dir="2700000" algn="tl">
-                  <a:srgbClr val="000000">
-                    <a:alpha val="43137"/>
-                  </a:srgbClr>
-                </a:outerShdw>
-              </a:effectLst>
-              <a:latin typeface="DFKai-SB" panose="03000509000000000000" pitchFamily="65" charset="-120"/>
-              <a:ea typeface="DFKai-SB" panose="03000509000000000000" pitchFamily="65" charset="-120"/>
+              <a:latin typeface="DengXian" panose="02010600030101010101" pitchFamily="2" charset="-122"/>
+              <a:ea typeface="DengXian" panose="02010600030101010101" pitchFamily="2" charset="-122"/>
             </a:endParaRPr>
           </a:p>
           <a:p>
-            <a:pPr marL="0" indent="0" algn="ctr">
+            <a:pPr marL="0" indent="0">
               <a:buNone/>
             </a:pPr>
             <a:r>
+              <a:rPr lang="en-US" sz="4400" dirty="0" smtClean="0">
+                <a:solidFill>
+                  <a:schemeClr val="accent4">
+                    <a:lumMod val="50000"/>
+                  </a:schemeClr>
+                </a:solidFill>
+              </a:rPr>
+              <a:t>			</a:t>
+            </a:r>
+            <a:r>
+              <a:rPr lang="en-US" sz="4400" dirty="0" err="1" smtClean="0">
+                <a:solidFill>
+                  <a:schemeClr val="accent4">
+                    <a:lumMod val="50000"/>
+                  </a:schemeClr>
+                </a:solidFill>
+              </a:rPr>
+              <a:t>zhè</a:t>
+            </a:r>
+            <a:r>
+              <a:rPr lang="en-US" sz="4400" dirty="0" smtClean="0">
+                <a:solidFill>
+                  <a:schemeClr val="accent4">
+                    <a:lumMod val="50000"/>
+                  </a:schemeClr>
+                </a:solidFill>
+              </a:rPr>
+              <a:t>  </a:t>
+            </a:r>
+            <a:r>
+              <a:rPr lang="en-US" sz="4400" dirty="0" err="1" smtClean="0">
+                <a:solidFill>
+                  <a:schemeClr val="accent4">
+                    <a:lumMod val="50000"/>
+                  </a:schemeClr>
+                </a:solidFill>
+              </a:rPr>
+              <a:t>xiē</a:t>
+            </a:r>
+            <a:r>
+              <a:rPr lang="en-US" sz="4400" dirty="0" smtClean="0">
+                <a:solidFill>
+                  <a:schemeClr val="accent4">
+                    <a:lumMod val="50000"/>
+                  </a:schemeClr>
+                </a:solidFill>
+              </a:rPr>
+              <a:t>  </a:t>
+            </a:r>
+            <a:r>
+              <a:rPr lang="en-US" sz="4400" dirty="0" err="1" smtClean="0">
+                <a:solidFill>
+                  <a:schemeClr val="accent4">
+                    <a:lumMod val="50000"/>
+                  </a:schemeClr>
+                </a:solidFill>
+              </a:rPr>
+              <a:t>dōu</a:t>
+            </a:r>
+            <a:r>
+              <a:rPr lang="en-US" sz="4400" dirty="0" smtClean="0">
+                <a:solidFill>
+                  <a:schemeClr val="accent4">
+                    <a:lumMod val="50000"/>
+                  </a:schemeClr>
+                </a:solidFill>
+              </a:rPr>
+              <a:t> </a:t>
+            </a:r>
+            <a:r>
               <a:rPr lang="en-US" sz="4400" dirty="0" err="1">
                 <a:solidFill>
-                  <a:schemeClr val="bg1"/>
-                </a:solidFill>
-                <a:effectLst>
-                  <a:outerShdw blurRad="38100" dist="38100" dir="2700000" algn="tl">
-                    <a:srgbClr val="000000">
-                      <a:alpha val="43137"/>
-                    </a:srgbClr>
-                  </a:outerShdw>
-                </a:effectLst>
-              </a:rPr>
-              <a:t>yǒng</a:t>
+                  <a:schemeClr val="accent4">
+                    <a:lumMod val="50000"/>
+                  </a:schemeClr>
+                </a:solidFill>
+              </a:rPr>
+              <a:t>shì</a:t>
             </a:r>
             <a:r>
               <a:rPr lang="en-US" sz="4400" dirty="0">
                 <a:solidFill>
-                  <a:schemeClr val="bg1"/>
-                </a:solidFill>
-                <a:effectLst>
-                  <a:outerShdw blurRad="38100" dist="38100" dir="2700000" algn="tl">
-                    <a:srgbClr val="000000">
-                      <a:alpha val="43137"/>
-                    </a:srgbClr>
-                  </a:outerShdw>
-                </a:effectLst>
+                  <a:schemeClr val="accent4">
+                    <a:lumMod val="50000"/>
+                  </a:schemeClr>
+                </a:solidFill>
               </a:rPr>
               <a:t> </a:t>
             </a:r>
             <a:r>
               <a:rPr lang="en-US" sz="4400" dirty="0" err="1">
                 <a:solidFill>
-                  <a:schemeClr val="bg1"/>
-                </a:solidFill>
-                <a:effectLst>
-                  <a:outerShdw blurRad="38100" dist="38100" dir="2700000" algn="tl">
-                    <a:srgbClr val="000000">
-                      <a:alpha val="43137"/>
-                    </a:srgbClr>
-                  </a:outerShdw>
-                </a:effectLst>
-              </a:rPr>
-              <a:t>gǎn</a:t>
+                  <a:schemeClr val="accent4">
+                    <a:lumMod val="50000"/>
+                  </a:schemeClr>
+                </a:solidFill>
+              </a:rPr>
+              <a:t>shèng</a:t>
+            </a:r>
+            <a:r>
+              <a:rPr lang="en-US" sz="4400" dirty="0">
+                <a:solidFill>
+                  <a:schemeClr val="accent4">
+                    <a:lumMod val="50000"/>
+                  </a:schemeClr>
+                </a:solidFill>
+              </a:rPr>
+              <a:t> </a:t>
+            </a:r>
+            <a:r>
+              <a:rPr lang="en-US" sz="4400" dirty="0" err="1">
+                <a:solidFill>
+                  <a:schemeClr val="accent4">
+                    <a:lumMod val="50000"/>
+                  </a:schemeClr>
+                </a:solidFill>
+              </a:rPr>
+              <a:t>líng</a:t>
+            </a:r>
+            <a:r>
+              <a:rPr lang="en-US" sz="4400" dirty="0">
+                <a:solidFill>
+                  <a:schemeClr val="accent4">
+                    <a:lumMod val="50000"/>
+                  </a:schemeClr>
+                </a:solidFill>
+              </a:rPr>
+              <a:t> de </a:t>
+            </a:r>
+            <a:r>
+              <a:rPr lang="en-US" sz="4400" dirty="0" err="1" smtClean="0">
+                <a:solidFill>
+                  <a:schemeClr val="accent4">
+                    <a:lumMod val="50000"/>
+                  </a:schemeClr>
+                </a:solidFill>
+              </a:rPr>
+              <a:t>guǒ</a:t>
+            </a:r>
+            <a:r>
+              <a:rPr lang="en-US" sz="4400" dirty="0" smtClean="0">
+                <a:solidFill>
+                  <a:schemeClr val="accent4">
+                    <a:lumMod val="50000"/>
+                  </a:schemeClr>
+                </a:solidFill>
+              </a:rPr>
+              <a:t>  </a:t>
+            </a:r>
+            <a:r>
+              <a:rPr lang="en-US" sz="4400" dirty="0" err="1" smtClean="0">
+                <a:solidFill>
+                  <a:schemeClr val="accent4">
+                    <a:lumMod val="50000"/>
+                  </a:schemeClr>
+                </a:solidFill>
+              </a:rPr>
+              <a:t>zi</a:t>
             </a:r>
             <a:endParaRPr lang="en-US" sz="4400" dirty="0">
               <a:solidFill>
-                <a:schemeClr val="bg1"/>
+                <a:schemeClr val="accent4">
+                  <a:lumMod val="50000"/>
+                </a:schemeClr>
               </a:solidFill>
-              <a:effectLst>
-                <a:outerShdw blurRad="38100" dist="38100" dir="2700000" algn="tl">
-                  <a:srgbClr val="000000">
-                    <a:alpha val="43137"/>
-                  </a:srgbClr>
-                </a:outerShdw>
-              </a:effectLst>
-            </a:endParaRPr>
-          </a:p>
-        </p:txBody>
-      </p:sp>
-      <p:sp>
-        <p:nvSpPr>
-          <p:cNvPr id="11" name="Content Placeholder 2"/>
-          <p:cNvSpPr txBox="1">
-            <a:spLocks/>
-          </p:cNvSpPr>
-          <p:nvPr/>
-        </p:nvSpPr>
-        <p:spPr>
-          <a:xfrm>
-            <a:off x="6836141" y="2818972"/>
-            <a:ext cx="2621273" cy="2152487"/>
-          </a:xfrm>
-          <a:prstGeom prst="rect">
-            <a:avLst/>
-          </a:prstGeom>
-        </p:spPr>
-        <p:txBody>
-          <a:bodyPr vert="horz" lIns="91440" tIns="45720" rIns="91440" bIns="45720" rtlCol="0" anchor="ctr">
-            <a:normAutofit/>
-          </a:bodyPr>
-          <a:lstStyle>
-            <a:lvl1pPr marL="228600" indent="-228600" algn="l" defTabSz="914400" rtl="0" eaLnBrk="1" latinLnBrk="0" hangingPunct="1">
-              <a:lnSpc>
-                <a:spcPct val="90000"/>
-              </a:lnSpc>
-              <a:spcBef>
-                <a:spcPts val="1000"/>
-              </a:spcBef>
-              <a:buFont typeface="Arial" panose="020B0604020202020204" pitchFamily="34" charset="0"/>
-              <a:buChar char="•"/>
-              <a:defRPr sz="2800" kern="1200">
-                <a:solidFill>
-                  <a:schemeClr val="tx1"/>
-                </a:solidFill>
-                <a:latin typeface="+mn-lt"/>
-                <a:ea typeface="+mn-ea"/>
-                <a:cs typeface="+mn-cs"/>
-              </a:defRPr>
-            </a:lvl1pPr>
-            <a:lvl2pPr marL="685800" indent="-228600" algn="l" defTabSz="914400" rtl="0" eaLnBrk="1" latinLnBrk="0" hangingPunct="1">
-              <a:lnSpc>
-                <a:spcPct val="90000"/>
-              </a:lnSpc>
-              <a:spcBef>
-                <a:spcPts val="500"/>
-              </a:spcBef>
-              <a:buFont typeface="Arial" panose="020B0604020202020204" pitchFamily="34" charset="0"/>
-              <a:buChar char="•"/>
-              <a:defRPr sz="2400" kern="1200">
-                <a:solidFill>
-                  <a:schemeClr val="tx1"/>
-                </a:solidFill>
-                <a:latin typeface="+mn-lt"/>
-                <a:ea typeface="+mn-ea"/>
-                <a:cs typeface="+mn-cs"/>
-              </a:defRPr>
-            </a:lvl2pPr>
-            <a:lvl3pPr marL="1143000" indent="-228600" algn="l" defTabSz="914400" rtl="0" eaLnBrk="1" latinLnBrk="0" hangingPunct="1">
-              <a:lnSpc>
-                <a:spcPct val="90000"/>
-              </a:lnSpc>
-              <a:spcBef>
-                <a:spcPts val="500"/>
-              </a:spcBef>
-              <a:buFont typeface="Arial" panose="020B0604020202020204" pitchFamily="34" charset="0"/>
-              <a:buChar char="•"/>
-              <a:defRPr sz="2000" kern="1200">
-                <a:solidFill>
-                  <a:schemeClr val="tx1"/>
-                </a:solidFill>
-                <a:latin typeface="+mn-lt"/>
-                <a:ea typeface="+mn-ea"/>
-                <a:cs typeface="+mn-cs"/>
-              </a:defRPr>
-            </a:lvl3pPr>
-            <a:lvl4pPr marL="1600200" indent="-228600" algn="l" defTabSz="914400" rtl="0" eaLnBrk="1" latinLnBrk="0" hangingPunct="1">
-              <a:lnSpc>
-                <a:spcPct val="90000"/>
-              </a:lnSpc>
-              <a:spcBef>
-                <a:spcPts val="500"/>
-              </a:spcBef>
-              <a:buFont typeface="Arial" panose="020B0604020202020204" pitchFamily="34" charset="0"/>
-              <a:buChar char="•"/>
-              <a:defRPr sz="1800" kern="1200">
-                <a:solidFill>
-                  <a:schemeClr val="tx1"/>
-                </a:solidFill>
-                <a:latin typeface="+mn-lt"/>
-                <a:ea typeface="+mn-ea"/>
-                <a:cs typeface="+mn-cs"/>
-              </a:defRPr>
-            </a:lvl4pPr>
-            <a:lvl5pPr marL="2057400" indent="-228600" algn="l" defTabSz="914400" rtl="0" eaLnBrk="1" latinLnBrk="0" hangingPunct="1">
-              <a:lnSpc>
-                <a:spcPct val="90000"/>
-              </a:lnSpc>
-              <a:spcBef>
-                <a:spcPts val="500"/>
-              </a:spcBef>
-              <a:buFont typeface="Arial" panose="020B0604020202020204" pitchFamily="34" charset="0"/>
-              <a:buChar char="•"/>
-              <a:defRPr sz="1800" kern="1200">
-                <a:solidFill>
-                  <a:schemeClr val="tx1"/>
-                </a:solidFill>
-                <a:latin typeface="+mn-lt"/>
-                <a:ea typeface="+mn-ea"/>
-                <a:cs typeface="+mn-cs"/>
-              </a:defRPr>
-            </a:lvl5pPr>
-            <a:lvl6pPr marL="2514600" indent="-228600" algn="l" defTabSz="914400" rtl="0" eaLnBrk="1" latinLnBrk="0" hangingPunct="1">
-              <a:lnSpc>
-                <a:spcPct val="90000"/>
-              </a:lnSpc>
-              <a:spcBef>
-                <a:spcPts val="500"/>
-              </a:spcBef>
-              <a:buFont typeface="Arial" panose="020B0604020202020204" pitchFamily="34" charset="0"/>
-              <a:buChar char="•"/>
-              <a:defRPr sz="1800" kern="1200">
-                <a:solidFill>
-                  <a:schemeClr val="tx1"/>
-                </a:solidFill>
-                <a:latin typeface="+mn-lt"/>
-                <a:ea typeface="+mn-ea"/>
-                <a:cs typeface="+mn-cs"/>
-              </a:defRPr>
-            </a:lvl6pPr>
-            <a:lvl7pPr marL="2971800" indent="-228600" algn="l" defTabSz="914400" rtl="0" eaLnBrk="1" latinLnBrk="0" hangingPunct="1">
-              <a:lnSpc>
-                <a:spcPct val="90000"/>
-              </a:lnSpc>
-              <a:spcBef>
-                <a:spcPts val="500"/>
-              </a:spcBef>
-              <a:buFont typeface="Arial" panose="020B0604020202020204" pitchFamily="34" charset="0"/>
-              <a:buChar char="•"/>
-              <a:defRPr sz="1800" kern="1200">
-                <a:solidFill>
-                  <a:schemeClr val="tx1"/>
-                </a:solidFill>
-                <a:latin typeface="+mn-lt"/>
-                <a:ea typeface="+mn-ea"/>
-                <a:cs typeface="+mn-cs"/>
-              </a:defRPr>
-            </a:lvl7pPr>
-            <a:lvl8pPr marL="3429000" indent="-228600" algn="l" defTabSz="914400" rtl="0" eaLnBrk="1" latinLnBrk="0" hangingPunct="1">
-              <a:lnSpc>
-                <a:spcPct val="90000"/>
-              </a:lnSpc>
-              <a:spcBef>
-                <a:spcPts val="500"/>
-              </a:spcBef>
-              <a:buFont typeface="Arial" panose="020B0604020202020204" pitchFamily="34" charset="0"/>
-              <a:buChar char="•"/>
-              <a:defRPr sz="1800" kern="1200">
-                <a:solidFill>
-                  <a:schemeClr val="tx1"/>
-                </a:solidFill>
-                <a:latin typeface="+mn-lt"/>
-                <a:ea typeface="+mn-ea"/>
-                <a:cs typeface="+mn-cs"/>
-              </a:defRPr>
-            </a:lvl8pPr>
-            <a:lvl9pPr marL="3886200" indent="-228600" algn="l" defTabSz="914400" rtl="0" eaLnBrk="1" latinLnBrk="0" hangingPunct="1">
-              <a:lnSpc>
-                <a:spcPct val="90000"/>
-              </a:lnSpc>
-              <a:spcBef>
-                <a:spcPts val="500"/>
-              </a:spcBef>
-              <a:buFont typeface="Arial" panose="020B0604020202020204" pitchFamily="34" charset="0"/>
-              <a:buChar char="•"/>
-              <a:defRPr sz="1800" kern="1200">
-                <a:solidFill>
-                  <a:schemeClr val="tx1"/>
-                </a:solidFill>
-                <a:latin typeface="+mn-lt"/>
-                <a:ea typeface="+mn-ea"/>
-                <a:cs typeface="+mn-cs"/>
-              </a:defRPr>
-            </a:lvl9pPr>
-          </a:lstStyle>
-          <a:p>
-            <a:pPr marL="0" indent="0" algn="ctr">
-              <a:buNone/>
-            </a:pPr>
-            <a:r>
-              <a:rPr lang="zh-CN" altLang="en-US" sz="7200" dirty="0">
-                <a:solidFill>
-                  <a:schemeClr val="bg1"/>
-                </a:solidFill>
-                <a:effectLst>
-                  <a:outerShdw blurRad="38100" dist="38100" dir="2700000" algn="tl">
-                    <a:srgbClr val="000000">
-                      <a:alpha val="43137"/>
-                    </a:srgbClr>
-                  </a:outerShdw>
-                </a:effectLst>
-                <a:latin typeface="DFKai-SB" panose="03000509000000000000" pitchFamily="65" charset="-120"/>
-                <a:ea typeface="DFKai-SB" panose="03000509000000000000" pitchFamily="65" charset="-120"/>
-              </a:rPr>
-              <a:t>站穩</a:t>
-            </a:r>
-            <a:endParaRPr lang="en-US" altLang="zh-CN" sz="7200" dirty="0">
-              <a:solidFill>
-                <a:schemeClr val="bg1"/>
-              </a:solidFill>
-              <a:effectLst>
-                <a:outerShdw blurRad="38100" dist="38100" dir="2700000" algn="tl">
-                  <a:srgbClr val="000000">
-                    <a:alpha val="43137"/>
-                  </a:srgbClr>
-                </a:outerShdw>
-              </a:effectLst>
-              <a:latin typeface="DFKai-SB" panose="03000509000000000000" pitchFamily="65" charset="-120"/>
-              <a:ea typeface="DFKai-SB" panose="03000509000000000000" pitchFamily="65" charset="-120"/>
-            </a:endParaRPr>
-          </a:p>
-          <a:p>
-            <a:pPr marL="0" indent="0" algn="ctr">
-              <a:buNone/>
-            </a:pPr>
-            <a:r>
-              <a:rPr lang="en-US" sz="4400" dirty="0" err="1">
-                <a:solidFill>
-                  <a:schemeClr val="bg1"/>
-                </a:solidFill>
-                <a:effectLst>
-                  <a:outerShdw blurRad="38100" dist="38100" dir="2700000" algn="tl">
-                    <a:srgbClr val="000000">
-                      <a:alpha val="43137"/>
-                    </a:srgbClr>
-                  </a:outerShdw>
-                </a:effectLst>
-              </a:rPr>
-              <a:t>zhàn</a:t>
-            </a:r>
-            <a:r>
-              <a:rPr lang="en-US" sz="4400" dirty="0">
-                <a:solidFill>
-                  <a:schemeClr val="bg1"/>
-                </a:solidFill>
-                <a:effectLst>
-                  <a:outerShdw blurRad="38100" dist="38100" dir="2700000" algn="tl">
-                    <a:srgbClr val="000000">
-                      <a:alpha val="43137"/>
-                    </a:srgbClr>
-                  </a:outerShdw>
-                </a:effectLst>
-              </a:rPr>
-              <a:t> </a:t>
-            </a:r>
-            <a:r>
-              <a:rPr lang="en-US" sz="4400" dirty="0" err="1">
-                <a:solidFill>
-                  <a:schemeClr val="bg1"/>
-                </a:solidFill>
-                <a:effectLst>
-                  <a:outerShdw blurRad="38100" dist="38100" dir="2700000" algn="tl">
-                    <a:srgbClr val="000000">
-                      <a:alpha val="43137"/>
-                    </a:srgbClr>
-                  </a:outerShdw>
-                </a:effectLst>
-              </a:rPr>
-              <a:t>wěn</a:t>
-            </a:r>
-            <a:endParaRPr lang="en-US" sz="4400" dirty="0">
-              <a:solidFill>
-                <a:schemeClr val="bg1"/>
-              </a:solidFill>
-              <a:effectLst>
-                <a:outerShdw blurRad="38100" dist="38100" dir="2700000" algn="tl">
-                  <a:srgbClr val="000000">
-                    <a:alpha val="43137"/>
-                  </a:srgbClr>
-                </a:outerShdw>
-              </a:effectLst>
             </a:endParaRPr>
           </a:p>
         </p:txBody>
@@ -7652,7 +7680,7 @@
     </p:spTree>
     <p:extLst>
       <p:ext uri="{BB962C8B-B14F-4D97-AF65-F5344CB8AC3E}">
-        <p14:creationId xmlns:p14="http://schemas.microsoft.com/office/powerpoint/2010/main" val="3466550435"/>
+        <p14:creationId xmlns="" xmlns:p14="http://schemas.microsoft.com/office/powerpoint/2010/main" val="3277621657"/>
       </p:ext>
     </p:extLst>
   </p:cSld>
@@ -8567,7 +8595,7 @@
     </p:spTree>
     <p:extLst>
       <p:ext uri="{BB962C8B-B14F-4D97-AF65-F5344CB8AC3E}">
-        <p14:creationId xmlns:p14="http://schemas.microsoft.com/office/powerpoint/2010/main" val="2463199559"/>
+        <p14:creationId xmlns="" xmlns:p14="http://schemas.microsoft.com/office/powerpoint/2010/main" val="2463199559"/>
       </p:ext>
     </p:extLst>
   </p:cSld>
@@ -8620,7 +8648,7 @@
     </a:clrScheme>
     <a:fontScheme name="Office">
       <a:majorFont>
-        <a:latin typeface="Calibri Light" panose="020F0302020204030204"/>
+        <a:latin typeface="Calibri Light"/>
         <a:ea typeface=""/>
         <a:cs typeface=""/>
         <a:font script="Jpan" typeface="游ゴシック Light"/>
@@ -8655,7 +8683,7 @@
         <a:font script="Geor" typeface="Sylfaen"/>
       </a:majorFont>
       <a:minorFont>
-        <a:latin typeface="Calibri" panose="020F0502020204030204"/>
+        <a:latin typeface="Calibri"/>
         <a:ea typeface=""/>
         <a:cs typeface=""/>
         <a:font script="Jpan" typeface="游ゴシック"/>
@@ -8832,7 +8860,7 @@
   <a:extraClrSchemeLst/>
   <a:extLst>
     <a:ext uri="{05A4C25C-085E-4340-85A3-A5531E510DB2}">
-      <thm15:themeFamily xmlns:thm15="http://schemas.microsoft.com/office/thememl/2012/main" name="Office Theme" id="{62F939B6-93AF-4DB8-9C6B-D6C7DFDC589F}" vid="{4A3C46E8-61CC-4603-A589-7422A47A8E4A}"/>
+      <thm15:themeFamily xmlns="" xmlns:thm15="http://schemas.microsoft.com/office/thememl/2012/main" name="Office Theme" id="{62F939B6-93AF-4DB8-9C6B-D6C7DFDC589F}" vid="{4A3C46E8-61CC-4603-A589-7422A47A8E4A}"/>
     </a:ext>
   </a:extLst>
 </a:theme>

--- a/chinese/聖靈的果子.pptx
+++ b/chinese/聖靈的果子.pptx
@@ -244,7 +244,7 @@
             <a:fld id="{438A1D26-8C48-4CA3-B169-97A4A2794143}" type="datetimeFigureOut">
               <a:rPr lang="en-US" smtClean="0"/>
               <a:pPr/>
-              <a:t>1/10/2020</a:t>
+              <a:t>10/2/2020</a:t>
             </a:fld>
             <a:endParaRPr lang="en-US"/>
           </a:p>
@@ -296,7 +296,7 @@
     </p:spTree>
     <p:extLst>
       <p:ext uri="{BB962C8B-B14F-4D97-AF65-F5344CB8AC3E}">
-        <p14:creationId xmlns="" xmlns:p14="http://schemas.microsoft.com/office/powerpoint/2010/main" val="1650621173"/>
+        <p14:creationId xmlns:p14="http://schemas.microsoft.com/office/powerpoint/2010/main" xmlns="" val="1650621173"/>
       </p:ext>
     </p:extLst>
   </p:cSld>
@@ -416,7 +416,7 @@
             <a:fld id="{438A1D26-8C48-4CA3-B169-97A4A2794143}" type="datetimeFigureOut">
               <a:rPr lang="en-US" smtClean="0"/>
               <a:pPr/>
-              <a:t>1/10/2020</a:t>
+              <a:t>10/2/2020</a:t>
             </a:fld>
             <a:endParaRPr lang="en-US"/>
           </a:p>
@@ -468,7 +468,7 @@
     </p:spTree>
     <p:extLst>
       <p:ext uri="{BB962C8B-B14F-4D97-AF65-F5344CB8AC3E}">
-        <p14:creationId xmlns="" xmlns:p14="http://schemas.microsoft.com/office/powerpoint/2010/main" val="3506437796"/>
+        <p14:creationId xmlns:p14="http://schemas.microsoft.com/office/powerpoint/2010/main" xmlns="" val="3506437796"/>
       </p:ext>
     </p:extLst>
   </p:cSld>
@@ -598,7 +598,7 @@
             <a:fld id="{438A1D26-8C48-4CA3-B169-97A4A2794143}" type="datetimeFigureOut">
               <a:rPr lang="en-US" smtClean="0"/>
               <a:pPr/>
-              <a:t>1/10/2020</a:t>
+              <a:t>10/2/2020</a:t>
             </a:fld>
             <a:endParaRPr lang="en-US"/>
           </a:p>
@@ -650,7 +650,7 @@
     </p:spTree>
     <p:extLst>
       <p:ext uri="{BB962C8B-B14F-4D97-AF65-F5344CB8AC3E}">
-        <p14:creationId xmlns="" xmlns:p14="http://schemas.microsoft.com/office/powerpoint/2010/main" val="2372885415"/>
+        <p14:creationId xmlns:p14="http://schemas.microsoft.com/office/powerpoint/2010/main" xmlns="" val="2372885415"/>
       </p:ext>
     </p:extLst>
   </p:cSld>
@@ -770,7 +770,7 @@
             <a:fld id="{438A1D26-8C48-4CA3-B169-97A4A2794143}" type="datetimeFigureOut">
               <a:rPr lang="en-US" smtClean="0"/>
               <a:pPr/>
-              <a:t>1/10/2020</a:t>
+              <a:t>10/2/2020</a:t>
             </a:fld>
             <a:endParaRPr lang="en-US"/>
           </a:p>
@@ -822,7 +822,7 @@
     </p:spTree>
     <p:extLst>
       <p:ext uri="{BB962C8B-B14F-4D97-AF65-F5344CB8AC3E}">
-        <p14:creationId xmlns="" xmlns:p14="http://schemas.microsoft.com/office/powerpoint/2010/main" val="4194663758"/>
+        <p14:creationId xmlns:p14="http://schemas.microsoft.com/office/powerpoint/2010/main" xmlns="" val="4194663758"/>
       </p:ext>
     </p:extLst>
   </p:cSld>
@@ -1018,7 +1018,7 @@
             <a:fld id="{438A1D26-8C48-4CA3-B169-97A4A2794143}" type="datetimeFigureOut">
               <a:rPr lang="en-US" smtClean="0"/>
               <a:pPr/>
-              <a:t>1/10/2020</a:t>
+              <a:t>10/2/2020</a:t>
             </a:fld>
             <a:endParaRPr lang="en-US"/>
           </a:p>
@@ -1070,7 +1070,7 @@
     </p:spTree>
     <p:extLst>
       <p:ext uri="{BB962C8B-B14F-4D97-AF65-F5344CB8AC3E}">
-        <p14:creationId xmlns="" xmlns:p14="http://schemas.microsoft.com/office/powerpoint/2010/main" val="2831102001"/>
+        <p14:creationId xmlns:p14="http://schemas.microsoft.com/office/powerpoint/2010/main" xmlns="" val="2831102001"/>
       </p:ext>
     </p:extLst>
   </p:cSld>
@@ -1252,7 +1252,7 @@
             <a:fld id="{438A1D26-8C48-4CA3-B169-97A4A2794143}" type="datetimeFigureOut">
               <a:rPr lang="en-US" smtClean="0"/>
               <a:pPr/>
-              <a:t>1/10/2020</a:t>
+              <a:t>10/2/2020</a:t>
             </a:fld>
             <a:endParaRPr lang="en-US"/>
           </a:p>
@@ -1304,7 +1304,7 @@
     </p:spTree>
     <p:extLst>
       <p:ext uri="{BB962C8B-B14F-4D97-AF65-F5344CB8AC3E}">
-        <p14:creationId xmlns="" xmlns:p14="http://schemas.microsoft.com/office/powerpoint/2010/main" val="845747831"/>
+        <p14:creationId xmlns:p14="http://schemas.microsoft.com/office/powerpoint/2010/main" xmlns="" val="845747831"/>
       </p:ext>
     </p:extLst>
   </p:cSld>
@@ -1621,7 +1621,7 @@
             <a:fld id="{438A1D26-8C48-4CA3-B169-97A4A2794143}" type="datetimeFigureOut">
               <a:rPr lang="en-US" smtClean="0"/>
               <a:pPr/>
-              <a:t>1/10/2020</a:t>
+              <a:t>10/2/2020</a:t>
             </a:fld>
             <a:endParaRPr lang="en-US"/>
           </a:p>
@@ -1673,7 +1673,7 @@
     </p:spTree>
     <p:extLst>
       <p:ext uri="{BB962C8B-B14F-4D97-AF65-F5344CB8AC3E}">
-        <p14:creationId xmlns="" xmlns:p14="http://schemas.microsoft.com/office/powerpoint/2010/main" val="4171740805"/>
+        <p14:creationId xmlns:p14="http://schemas.microsoft.com/office/powerpoint/2010/main" xmlns="" val="4171740805"/>
       </p:ext>
     </p:extLst>
   </p:cSld>
@@ -1741,7 +1741,7 @@
             <a:fld id="{438A1D26-8C48-4CA3-B169-97A4A2794143}" type="datetimeFigureOut">
               <a:rPr lang="en-US" smtClean="0"/>
               <a:pPr/>
-              <a:t>1/10/2020</a:t>
+              <a:t>10/2/2020</a:t>
             </a:fld>
             <a:endParaRPr lang="en-US"/>
           </a:p>
@@ -1793,7 +1793,7 @@
     </p:spTree>
     <p:extLst>
       <p:ext uri="{BB962C8B-B14F-4D97-AF65-F5344CB8AC3E}">
-        <p14:creationId xmlns="" xmlns:p14="http://schemas.microsoft.com/office/powerpoint/2010/main" val="2070302432"/>
+        <p14:creationId xmlns:p14="http://schemas.microsoft.com/office/powerpoint/2010/main" xmlns="" val="2070302432"/>
       </p:ext>
     </p:extLst>
   </p:cSld>
@@ -1838,7 +1838,7 @@
             <a:fld id="{438A1D26-8C48-4CA3-B169-97A4A2794143}" type="datetimeFigureOut">
               <a:rPr lang="en-US" smtClean="0"/>
               <a:pPr/>
-              <a:t>1/10/2020</a:t>
+              <a:t>10/2/2020</a:t>
             </a:fld>
             <a:endParaRPr lang="en-US"/>
           </a:p>
@@ -1890,7 +1890,7 @@
     </p:spTree>
     <p:extLst>
       <p:ext uri="{BB962C8B-B14F-4D97-AF65-F5344CB8AC3E}">
-        <p14:creationId xmlns="" xmlns:p14="http://schemas.microsoft.com/office/powerpoint/2010/main" val="2413775740"/>
+        <p14:creationId xmlns:p14="http://schemas.microsoft.com/office/powerpoint/2010/main" xmlns="" val="2413775740"/>
       </p:ext>
     </p:extLst>
   </p:cSld>
@@ -2117,7 +2117,7 @@
             <a:fld id="{438A1D26-8C48-4CA3-B169-97A4A2794143}" type="datetimeFigureOut">
               <a:rPr lang="en-US" smtClean="0"/>
               <a:pPr/>
-              <a:t>1/10/2020</a:t>
+              <a:t>10/2/2020</a:t>
             </a:fld>
             <a:endParaRPr lang="en-US"/>
           </a:p>
@@ -2169,7 +2169,7 @@
     </p:spTree>
     <p:extLst>
       <p:ext uri="{BB962C8B-B14F-4D97-AF65-F5344CB8AC3E}">
-        <p14:creationId xmlns="" xmlns:p14="http://schemas.microsoft.com/office/powerpoint/2010/main" val="1327485575"/>
+        <p14:creationId xmlns:p14="http://schemas.microsoft.com/office/powerpoint/2010/main" xmlns="" val="1327485575"/>
       </p:ext>
     </p:extLst>
   </p:cSld>
@@ -2372,7 +2372,7 @@
             <a:fld id="{438A1D26-8C48-4CA3-B169-97A4A2794143}" type="datetimeFigureOut">
               <a:rPr lang="en-US" smtClean="0"/>
               <a:pPr/>
-              <a:t>1/10/2020</a:t>
+              <a:t>10/2/2020</a:t>
             </a:fld>
             <a:endParaRPr lang="en-US"/>
           </a:p>
@@ -2424,7 +2424,7 @@
     </p:spTree>
     <p:extLst>
       <p:ext uri="{BB962C8B-B14F-4D97-AF65-F5344CB8AC3E}">
-        <p14:creationId xmlns="" xmlns:p14="http://schemas.microsoft.com/office/powerpoint/2010/main" val="2835053586"/>
+        <p14:creationId xmlns:p14="http://schemas.microsoft.com/office/powerpoint/2010/main" xmlns="" val="2835053586"/>
       </p:ext>
     </p:extLst>
   </p:cSld>
@@ -2587,7 +2587,7 @@
             <a:fld id="{438A1D26-8C48-4CA3-B169-97A4A2794143}" type="datetimeFigureOut">
               <a:rPr lang="en-US" smtClean="0"/>
               <a:pPr/>
-              <a:t>1/10/2020</a:t>
+              <a:t>10/2/2020</a:t>
             </a:fld>
             <a:endParaRPr lang="en-US"/>
           </a:p>
@@ -2675,7 +2675,7 @@
     </p:spTree>
     <p:extLst>
       <p:ext uri="{BB962C8B-B14F-4D97-AF65-F5344CB8AC3E}">
-        <p14:creationId xmlns="" xmlns:p14="http://schemas.microsoft.com/office/powerpoint/2010/main" val="3770543354"/>
+        <p14:creationId xmlns:p14="http://schemas.microsoft.com/office/powerpoint/2010/main" xmlns="" val="3770543354"/>
       </p:ext>
     </p:extLst>
   </p:cSld>
@@ -3214,7 +3214,7 @@
     </p:spTree>
     <p:extLst>
       <p:ext uri="{BB962C8B-B14F-4D97-AF65-F5344CB8AC3E}">
-        <p14:creationId xmlns="" xmlns:p14="http://schemas.microsoft.com/office/powerpoint/2010/main" val="640813189"/>
+        <p14:creationId xmlns:p14="http://schemas.microsoft.com/office/powerpoint/2010/main" xmlns="" val="640813189"/>
       </p:ext>
     </p:extLst>
   </p:cSld>
@@ -4828,7 +4828,7 @@
     </p:spTree>
     <p:extLst>
       <p:ext uri="{BB962C8B-B14F-4D97-AF65-F5344CB8AC3E}">
-        <p14:creationId xmlns="" xmlns:p14="http://schemas.microsoft.com/office/powerpoint/2010/main" val="3007245491"/>
+        <p14:creationId xmlns:p14="http://schemas.microsoft.com/office/powerpoint/2010/main" xmlns="" val="3007245491"/>
       </p:ext>
     </p:extLst>
   </p:cSld>
@@ -5855,7 +5855,7 @@
     </p:spTree>
     <p:extLst>
       <p:ext uri="{BB962C8B-B14F-4D97-AF65-F5344CB8AC3E}">
-        <p14:creationId xmlns="" xmlns:p14="http://schemas.microsoft.com/office/powerpoint/2010/main" val="796952568"/>
+        <p14:creationId xmlns:p14="http://schemas.microsoft.com/office/powerpoint/2010/main" xmlns="" val="796952568"/>
       </p:ext>
     </p:extLst>
   </p:cSld>
@@ -6875,7 +6875,7 @@
     </p:spTree>
     <p:extLst>
       <p:ext uri="{BB962C8B-B14F-4D97-AF65-F5344CB8AC3E}">
-        <p14:creationId xmlns="" xmlns:p14="http://schemas.microsoft.com/office/powerpoint/2010/main" val="3466550435"/>
+        <p14:creationId xmlns:p14="http://schemas.microsoft.com/office/powerpoint/2010/main" xmlns="" val="3466550435"/>
       </p:ext>
     </p:extLst>
   </p:cSld>
@@ -7680,7 +7680,7 @@
     </p:spTree>
     <p:extLst>
       <p:ext uri="{BB962C8B-B14F-4D97-AF65-F5344CB8AC3E}">
-        <p14:creationId xmlns="" xmlns:p14="http://schemas.microsoft.com/office/powerpoint/2010/main" val="3277621657"/>
+        <p14:creationId xmlns:p14="http://schemas.microsoft.com/office/powerpoint/2010/main" xmlns="" val="3277621657"/>
       </p:ext>
     </p:extLst>
   </p:cSld>
@@ -8595,7 +8595,7 @@
     </p:spTree>
     <p:extLst>
       <p:ext uri="{BB962C8B-B14F-4D97-AF65-F5344CB8AC3E}">
-        <p14:creationId xmlns="" xmlns:p14="http://schemas.microsoft.com/office/powerpoint/2010/main" val="2463199559"/>
+        <p14:creationId xmlns:p14="http://schemas.microsoft.com/office/powerpoint/2010/main" xmlns="" val="2463199559"/>
       </p:ext>
     </p:extLst>
   </p:cSld>
@@ -8860,7 +8860,7 @@
   <a:extraClrSchemeLst/>
   <a:extLst>
     <a:ext uri="{05A4C25C-085E-4340-85A3-A5531E510DB2}">
-      <thm15:themeFamily xmlns="" xmlns:thm15="http://schemas.microsoft.com/office/thememl/2012/main" name="Office Theme" id="{62F939B6-93AF-4DB8-9C6B-D6C7DFDC589F}" vid="{4A3C46E8-61CC-4603-A589-7422A47A8E4A}"/>
+      <thm15:themeFamily xmlns:thm15="http://schemas.microsoft.com/office/thememl/2012/main" xmlns="" name="Office Theme" id="{62F939B6-93AF-4DB8-9C6B-D6C7DFDC589F}" vid="{4A3C46E8-61CC-4603-A589-7422A47A8E4A}"/>
     </a:ext>
   </a:extLst>
 </a:theme>
